--- a/PPTs/03_expressions_and_functions.pptx
+++ b/PPTs/03_expressions_and_functions.pptx
@@ -5,10 +5,10 @@
     <p:sldMasterId id="2147484229" r:id="rId4"/>
   </p:sldMasterIdLst>
   <p:notesMasterIdLst>
-    <p:notesMasterId r:id="rId26"/>
+    <p:notesMasterId r:id="rId27"/>
   </p:notesMasterIdLst>
   <p:handoutMasterIdLst>
-    <p:handoutMasterId r:id="rId27"/>
+    <p:handoutMasterId r:id="rId28"/>
   </p:handoutMasterIdLst>
   <p:sldIdLst>
     <p:sldId id="1663" r:id="rId5"/>
@@ -23,15 +23,16 @@
     <p:sldId id="2108" r:id="rId14"/>
     <p:sldId id="2106" r:id="rId15"/>
     <p:sldId id="2110" r:id="rId16"/>
-    <p:sldId id="2111" r:id="rId17"/>
-    <p:sldId id="2101" r:id="rId18"/>
-    <p:sldId id="2088" r:id="rId19"/>
-    <p:sldId id="2104" r:id="rId20"/>
-    <p:sldId id="2090" r:id="rId21"/>
-    <p:sldId id="2091" r:id="rId22"/>
-    <p:sldId id="2095" r:id="rId23"/>
-    <p:sldId id="1893" r:id="rId24"/>
-    <p:sldId id="1532" r:id="rId25"/>
+    <p:sldId id="2112" r:id="rId17"/>
+    <p:sldId id="2111" r:id="rId18"/>
+    <p:sldId id="2101" r:id="rId19"/>
+    <p:sldId id="2088" r:id="rId20"/>
+    <p:sldId id="2104" r:id="rId21"/>
+    <p:sldId id="2090" r:id="rId22"/>
+    <p:sldId id="2091" r:id="rId23"/>
+    <p:sldId id="2095" r:id="rId24"/>
+    <p:sldId id="1893" r:id="rId25"/>
+    <p:sldId id="1532" r:id="rId26"/>
   </p:sldIdLst>
   <p:sldSz cx="12192000" cy="6858000"/>
   <p:notesSz cx="6858000" cy="9144000"/>
@@ -151,6 +152,7 @@
             <p14:sldId id="2108"/>
             <p14:sldId id="2106"/>
             <p14:sldId id="2110"/>
+            <p14:sldId id="2112"/>
             <p14:sldId id="2111"/>
             <p14:sldId id="2101"/>
           </p14:sldIdLst>
@@ -13460,7 +13462,7 @@
               <a:rPr lang="en-US" smtClean="0">
                 <a:latin typeface="Segoe UI" pitchFamily="34" charset="0"/>
               </a:rPr>
-              <a:t>6/15/2020 12:15 PM</a:t>
+              <a:t>6/29/2023 12:20 PM</a:t>
             </a:fld>
             <a:endParaRPr lang="en-US" dirty="0">
               <a:latin typeface="Segoe UI" pitchFamily="34" charset="0"/>
@@ -13738,7 +13740,7 @@
           <a:p>
             <a:fld id="{386CE63F-9E7F-4C04-9D0D-FCA25A8E9E86}" type="datetime8">
               <a:rPr lang="en-US" smtClean="0"/>
-              <a:t>6/15/2020 12:15 PM</a:t>
+              <a:t>6/29/2023 12:20 PM</a:t>
             </a:fld>
             <a:endParaRPr lang="en-US" dirty="0"/>
           </a:p>
@@ -14105,7 +14107,7 @@
           <a:p>
             <a:fld id="{321E5A7B-BB8D-4368-A182-109669521632}" type="datetime8">
               <a:rPr lang="en-US" smtClean="0"/>
-              <a:t>6/15/2020 12:16 PM</a:t>
+              <a:t>6/29/2023 12:20 PM</a:t>
             </a:fld>
             <a:endParaRPr lang="en-US" dirty="0"/>
           </a:p>
@@ -14309,7 +14311,7 @@
           <a:p>
             <a:fld id="{386CE63F-9E7F-4C04-9D0D-FCA25A8E9E86}" type="datetime8">
               <a:rPr lang="en-US" smtClean="0"/>
-              <a:t>6/15/2020 12:15 PM</a:t>
+              <a:t>6/29/2023 12:20 PM</a:t>
             </a:fld>
             <a:endParaRPr lang="en-US" dirty="0"/>
           </a:p>
@@ -14490,7 +14492,7 @@
           <a:p>
             <a:fld id="{386CE63F-9E7F-4C04-9D0D-FCA25A8E9E86}" type="datetime8">
               <a:rPr lang="en-US" smtClean="0"/>
-              <a:t>6/15/2020 12:15 PM</a:t>
+              <a:t>6/29/2023 12:20 PM</a:t>
             </a:fld>
             <a:endParaRPr lang="en-US" dirty="0"/>
           </a:p>
@@ -14671,7 +14673,7 @@
           <a:p>
             <a:fld id="{386CE63F-9E7F-4C04-9D0D-FCA25A8E9E86}" type="datetime8">
               <a:rPr lang="en-US" smtClean="0"/>
-              <a:t>6/15/2020 12:15 PM</a:t>
+              <a:t>6/29/2023 12:23 PM</a:t>
             </a:fld>
             <a:endParaRPr lang="en-US" dirty="0"/>
           </a:p>
@@ -14704,7 +14706,7 @@
     </p:spTree>
     <p:extLst>
       <p:ext uri="{BB962C8B-B14F-4D97-AF65-F5344CB8AC3E}">
-        <p14:creationId xmlns:p14="http://schemas.microsoft.com/office/powerpoint/2010/main" val="485268803"/>
+        <p14:creationId xmlns:p14="http://schemas.microsoft.com/office/powerpoint/2010/main" val="3089973134"/>
       </p:ext>
     </p:extLst>
   </p:cSld>
@@ -14852,7 +14854,7 @@
           <a:p>
             <a:fld id="{386CE63F-9E7F-4C04-9D0D-FCA25A8E9E86}" type="datetime8">
               <a:rPr lang="en-US" smtClean="0"/>
-              <a:t>6/15/2020 12:15 PM</a:t>
+              <a:t>6/29/2023 12:20 PM</a:t>
             </a:fld>
             <a:endParaRPr lang="en-US" dirty="0"/>
           </a:p>
@@ -14885,7 +14887,7 @@
     </p:spTree>
     <p:extLst>
       <p:ext uri="{BB962C8B-B14F-4D97-AF65-F5344CB8AC3E}">
-        <p14:creationId xmlns:p14="http://schemas.microsoft.com/office/powerpoint/2010/main" val="4268566081"/>
+        <p14:creationId xmlns:p14="http://schemas.microsoft.com/office/powerpoint/2010/main" val="485268803"/>
       </p:ext>
     </p:extLst>
   </p:cSld>
@@ -14939,30 +14941,6 @@
           <a:bodyPr/>
           <a:lstStyle/>
           <a:p>
-            <a:r>
-              <a:rPr lang="en-GB" sz="882" b="0" i="0" kern="1200" dirty="0">
-                <a:solidFill>
-                  <a:schemeClr val="tx1"/>
-                </a:solidFill>
-                <a:effectLst/>
-                <a:latin typeface="Segoe UI" panose="020B0502040204020203" pitchFamily="34" charset="0"/>
-                <a:ea typeface="+mn-ea"/>
-                <a:cs typeface="+mn-cs"/>
-              </a:rPr>
-              <a:t>The set of files used to describe infrastructure in Terraform is known as a Terraform </a:t>
-            </a:r>
-            <a:r>
-              <a:rPr lang="en-GB" sz="882" b="1" i="0" kern="1200" dirty="0">
-                <a:solidFill>
-                  <a:schemeClr val="tx1"/>
-                </a:solidFill>
-                <a:effectLst/>
-                <a:latin typeface="Segoe UI" panose="020B0502040204020203" pitchFamily="34" charset="0"/>
-                <a:ea typeface="+mn-ea"/>
-                <a:cs typeface="+mn-cs"/>
-              </a:rPr>
-              <a:t>configuration</a:t>
-            </a:r>
             <a:endParaRPr lang="en-GB" dirty="0"/>
           </a:p>
         </p:txBody>
@@ -15057,7 +15035,7 @@
           <a:p>
             <a:fld id="{386CE63F-9E7F-4C04-9D0D-FCA25A8E9E86}" type="datetime8">
               <a:rPr lang="en-US" smtClean="0"/>
-              <a:t>6/15/2020 12:15 PM</a:t>
+              <a:t>6/29/2023 12:20 PM</a:t>
             </a:fld>
             <a:endParaRPr lang="en-US" dirty="0"/>
           </a:p>
@@ -15090,7 +15068,7 @@
     </p:spTree>
     <p:extLst>
       <p:ext uri="{BB962C8B-B14F-4D97-AF65-F5344CB8AC3E}">
-        <p14:creationId xmlns:p14="http://schemas.microsoft.com/office/powerpoint/2010/main" val="4229827671"/>
+        <p14:creationId xmlns:p14="http://schemas.microsoft.com/office/powerpoint/2010/main" val="4268566081"/>
       </p:ext>
     </p:extLst>
   </p:cSld>
@@ -15145,15 +15123,6 @@
           <a:lstStyle/>
           <a:p>
             <a:r>
-              <a:rPr lang="en-GB" dirty="0"/>
-              <a:t>Terraform Console</a:t>
-            </a:r>
-          </a:p>
-          <a:p>
-            <a:endParaRPr lang="en-GB" dirty="0"/>
-          </a:p>
-          <a:p>
-            <a:r>
               <a:rPr lang="en-GB" sz="882" b="0" i="0" kern="1200" dirty="0">
                 <a:solidFill>
                   <a:schemeClr val="tx1"/>
@@ -15163,7 +15132,19 @@
                 <a:ea typeface="+mn-ea"/>
                 <a:cs typeface="+mn-cs"/>
               </a:rPr>
-              <a:t>Read, Eval, Print and Loop</a:t>
+              <a:t>The set of files used to describe infrastructure in Terraform is known as a Terraform </a:t>
+            </a:r>
+            <a:r>
+              <a:rPr lang="en-GB" sz="882" b="1" i="0" kern="1200" dirty="0">
+                <a:solidFill>
+                  <a:schemeClr val="tx1"/>
+                </a:solidFill>
+                <a:effectLst/>
+                <a:latin typeface="Segoe UI" panose="020B0502040204020203" pitchFamily="34" charset="0"/>
+                <a:ea typeface="+mn-ea"/>
+                <a:cs typeface="+mn-cs"/>
+              </a:rPr>
+              <a:t>configuration</a:t>
             </a:r>
             <a:endParaRPr lang="en-GB" dirty="0"/>
           </a:p>
@@ -15259,7 +15240,7 @@
           <a:p>
             <a:fld id="{386CE63F-9E7F-4C04-9D0D-FCA25A8E9E86}" type="datetime8">
               <a:rPr lang="en-US" smtClean="0"/>
-              <a:t>6/15/2020 12:15 PM</a:t>
+              <a:t>6/29/2023 12:20 PM</a:t>
             </a:fld>
             <a:endParaRPr lang="en-US" dirty="0"/>
           </a:p>
@@ -15292,7 +15273,7 @@
     </p:spTree>
     <p:extLst>
       <p:ext uri="{BB962C8B-B14F-4D97-AF65-F5344CB8AC3E}">
-        <p14:creationId xmlns:p14="http://schemas.microsoft.com/office/powerpoint/2010/main" val="3645401898"/>
+        <p14:creationId xmlns:p14="http://schemas.microsoft.com/office/powerpoint/2010/main" val="4229827671"/>
       </p:ext>
     </p:extLst>
   </p:cSld>
@@ -15348,8 +15329,26 @@
           <a:p>
             <a:r>
               <a:rPr lang="en-GB" dirty="0"/>
-              <a:t>Before 0.12, this was all scattered</a:t>
-            </a:r>
+              <a:t>Terraform Console</a:t>
+            </a:r>
+          </a:p>
+          <a:p>
+            <a:endParaRPr lang="en-GB" dirty="0"/>
+          </a:p>
+          <a:p>
+            <a:r>
+              <a:rPr lang="en-GB" sz="882" b="0" i="0" kern="1200" dirty="0">
+                <a:solidFill>
+                  <a:schemeClr val="tx1"/>
+                </a:solidFill>
+                <a:effectLst/>
+                <a:latin typeface="Segoe UI" panose="020B0502040204020203" pitchFamily="34" charset="0"/>
+                <a:ea typeface="+mn-ea"/>
+                <a:cs typeface="+mn-cs"/>
+              </a:rPr>
+              <a:t>Read, Eval, Print and Loop</a:t>
+            </a:r>
+            <a:endParaRPr lang="en-GB" dirty="0"/>
           </a:p>
         </p:txBody>
       </p:sp>
@@ -15443,7 +15442,7 @@
           <a:p>
             <a:fld id="{386CE63F-9E7F-4C04-9D0D-FCA25A8E9E86}" type="datetime8">
               <a:rPr lang="en-US" smtClean="0"/>
-              <a:t>6/15/2020 12:15 PM</a:t>
+              <a:t>6/29/2023 12:20 PM</a:t>
             </a:fld>
             <a:endParaRPr lang="en-US" dirty="0"/>
           </a:p>
@@ -15476,7 +15475,7 @@
     </p:spTree>
     <p:extLst>
       <p:ext uri="{BB962C8B-B14F-4D97-AF65-F5344CB8AC3E}">
-        <p14:creationId xmlns:p14="http://schemas.microsoft.com/office/powerpoint/2010/main" val="227095678"/>
+        <p14:creationId xmlns:p14="http://schemas.microsoft.com/office/powerpoint/2010/main" val="3645401898"/>
       </p:ext>
     </p:extLst>
   </p:cSld>
@@ -15530,530 +15529,10 @@
           <a:bodyPr/>
           <a:lstStyle/>
           <a:p>
-            <a:pPr marL="0" marR="0" lvl="0" indent="0" algn="l" defTabSz="914367" rtl="0" eaLnBrk="1" fontAlgn="auto" latinLnBrk="0" hangingPunct="1">
-              <a:lnSpc>
-                <a:spcPct val="90000"/>
-              </a:lnSpc>
-              <a:spcBef>
-                <a:spcPts val="0"/>
-              </a:spcBef>
-              <a:spcAft>
-                <a:spcPts val="333"/>
-              </a:spcAft>
-              <a:buClrTx/>
-              <a:buSzTx/>
-              <a:buFontTx/>
-              <a:buNone/>
-              <a:tabLst/>
-              <a:defRPr/>
-            </a:pPr>
-            <a:r>
-              <a:rPr lang="en-GB" sz="900" dirty="0" err="1"/>
-              <a:t>abspath</a:t>
-            </a:r>
-            <a:r>
-              <a:rPr lang="en-GB" sz="900" dirty="0"/>
-              <a:t>(</a:t>
-            </a:r>
-            <a:r>
-              <a:rPr lang="en-GB" sz="900" dirty="0" err="1"/>
-              <a:t>path.root</a:t>
-            </a:r>
-            <a:r>
-              <a:rPr lang="en-GB" sz="900" dirty="0"/>
-              <a:t>)</a:t>
-            </a:r>
-          </a:p>
-          <a:p>
-            <a:pPr marL="0" marR="0" lvl="0" indent="0" algn="l" defTabSz="914367" rtl="0" eaLnBrk="1" fontAlgn="auto" latinLnBrk="0" hangingPunct="1">
-              <a:lnSpc>
-                <a:spcPct val="90000"/>
-              </a:lnSpc>
-              <a:spcBef>
-                <a:spcPts val="0"/>
-              </a:spcBef>
-              <a:spcAft>
-                <a:spcPts val="333"/>
-              </a:spcAft>
-              <a:buClrTx/>
-              <a:buSzTx/>
-              <a:buFontTx/>
-              <a:buNone/>
-              <a:tabLst/>
-              <a:defRPr/>
-            </a:pPr>
-            <a:r>
-              <a:rPr lang="pt-BR" sz="900" dirty="0">
-                <a:solidFill>
-                  <a:schemeClr val="accent2"/>
-                </a:solidFill>
-                <a:latin typeface="Consolas" panose="020B0609020204030204" pitchFamily="49" charset="0"/>
-              </a:rPr>
-              <a:t>file("${path.root}/hello.txt")</a:t>
-            </a:r>
-          </a:p>
-          <a:p>
-            <a:pPr marL="0" marR="0" lvl="0" indent="0" algn="l" defTabSz="914367" rtl="0" eaLnBrk="1" fontAlgn="auto" latinLnBrk="0" hangingPunct="1">
-              <a:lnSpc>
-                <a:spcPct val="90000"/>
-              </a:lnSpc>
-              <a:spcBef>
-                <a:spcPts val="0"/>
-              </a:spcBef>
-              <a:spcAft>
-                <a:spcPts val="333"/>
-              </a:spcAft>
-              <a:buClrTx/>
-              <a:buSzTx/>
-              <a:buFontTx/>
-              <a:buNone/>
-              <a:tabLst/>
-              <a:defRPr/>
-            </a:pPr>
-            <a:endParaRPr lang="fr-FR" sz="900" dirty="0">
-              <a:solidFill>
-                <a:srgbClr val="FF0000"/>
-              </a:solidFill>
-              <a:latin typeface="Consolas" panose="020B0609020204030204" pitchFamily="49" charset="0"/>
-            </a:endParaRPr>
-          </a:p>
-          <a:p>
-            <a:pPr marL="0" marR="0" lvl="0" indent="0" algn="l" defTabSz="914367" rtl="0" eaLnBrk="1" fontAlgn="auto" latinLnBrk="0" hangingPunct="1">
-              <a:lnSpc>
-                <a:spcPct val="90000"/>
-              </a:lnSpc>
-              <a:spcBef>
-                <a:spcPts val="0"/>
-              </a:spcBef>
-              <a:spcAft>
-                <a:spcPts val="333"/>
-              </a:spcAft>
-              <a:buClrTx/>
-              <a:buSzTx/>
-              <a:buFontTx/>
-              <a:buNone/>
-              <a:tabLst/>
-              <a:defRPr/>
-            </a:pPr>
-            <a:r>
-              <a:rPr lang="fr-FR" sz="900" dirty="0">
-                <a:solidFill>
-                  <a:srgbClr val="FF0000"/>
-                </a:solidFill>
-                <a:latin typeface="Consolas" panose="020B0609020204030204" pitchFamily="49" charset="0"/>
-              </a:rPr>
-              <a:t>max</a:t>
-            </a:r>
-            <a:r>
-              <a:rPr lang="fr-FR" sz="900" dirty="0">
-                <a:solidFill>
-                  <a:schemeClr val="accent2"/>
-                </a:solidFill>
-                <a:latin typeface="Consolas" panose="020B0609020204030204" pitchFamily="49" charset="0"/>
-              </a:rPr>
-              <a:t>(12,54,3)</a:t>
-            </a:r>
-          </a:p>
-          <a:p>
-            <a:r>
-              <a:rPr lang="fr-FR" sz="900" dirty="0">
-                <a:solidFill>
-                  <a:srgbClr val="FF0000"/>
-                </a:solidFill>
-                <a:latin typeface="Consolas" panose="020B0609020204030204" pitchFamily="49" charset="0"/>
-              </a:rPr>
-              <a:t>max</a:t>
-            </a:r>
-            <a:r>
-              <a:rPr lang="fr-FR" sz="900" dirty="0">
-                <a:solidFill>
-                  <a:schemeClr val="accent2"/>
-                </a:solidFill>
-                <a:latin typeface="Consolas" panose="020B0609020204030204" pitchFamily="49" charset="0"/>
-              </a:rPr>
-              <a:t>([12,54,3]...)</a:t>
-            </a:r>
-          </a:p>
-          <a:p>
-            <a:pPr marL="0" marR="0" lvl="0" indent="0" algn="l" defTabSz="914367" rtl="0" eaLnBrk="1" fontAlgn="auto" latinLnBrk="0" hangingPunct="1">
-              <a:lnSpc>
-                <a:spcPct val="90000"/>
-              </a:lnSpc>
-              <a:spcBef>
-                <a:spcPts val="0"/>
-              </a:spcBef>
-              <a:spcAft>
-                <a:spcPts val="333"/>
-              </a:spcAft>
-              <a:buClrTx/>
-              <a:buSzTx/>
-              <a:buFontTx/>
-              <a:buNone/>
-              <a:tabLst/>
-              <a:defRPr/>
-            </a:pPr>
-            <a:r>
-              <a:rPr lang="en-GB" sz="900" dirty="0">
-                <a:solidFill>
-                  <a:srgbClr val="FF0000"/>
-                </a:solidFill>
-                <a:latin typeface="Consolas" panose="020B0609020204030204" pitchFamily="49" charset="0"/>
-              </a:rPr>
-              <a:t>split</a:t>
-            </a:r>
-            <a:r>
-              <a:rPr lang="en-GB" sz="900" dirty="0">
-                <a:solidFill>
-                  <a:schemeClr val="accent2"/>
-                </a:solidFill>
-                <a:latin typeface="Consolas" panose="020B0609020204030204" pitchFamily="49" charset="0"/>
-              </a:rPr>
-              <a:t>(",", "foo,bar,baz")</a:t>
-            </a:r>
-          </a:p>
-          <a:p>
-            <a:pPr marL="0" marR="0" lvl="0" indent="0" algn="l" defTabSz="914367" rtl="0" eaLnBrk="1" fontAlgn="auto" latinLnBrk="0" hangingPunct="1">
-              <a:lnSpc>
-                <a:spcPct val="90000"/>
-              </a:lnSpc>
-              <a:spcBef>
-                <a:spcPts val="0"/>
-              </a:spcBef>
-              <a:spcAft>
-                <a:spcPts val="333"/>
-              </a:spcAft>
-              <a:buClrTx/>
-              <a:buSzTx/>
-              <a:buFontTx/>
-              <a:buNone/>
-              <a:tabLst/>
-              <a:defRPr/>
-            </a:pPr>
-            <a:r>
-              <a:rPr lang="en-GB" sz="900" dirty="0">
-                <a:solidFill>
-                  <a:srgbClr val="FF0000"/>
-                </a:solidFill>
-                <a:latin typeface="Consolas" panose="020B0609020204030204" pitchFamily="49" charset="0"/>
-              </a:rPr>
-              <a:t>join</a:t>
-            </a:r>
-            <a:r>
-              <a:rPr lang="en-GB" sz="900" dirty="0">
-                <a:solidFill>
-                  <a:schemeClr val="accent2"/>
-                </a:solidFill>
-                <a:latin typeface="Consolas" panose="020B0609020204030204" pitchFamily="49" charset="0"/>
-              </a:rPr>
-              <a:t>(" ", ["foo", "bar", "baz"])</a:t>
-            </a:r>
-          </a:p>
-          <a:p>
-            <a:pPr marL="0" marR="0" lvl="0" indent="0" algn="l" defTabSz="914367" rtl="0" eaLnBrk="1" fontAlgn="auto" latinLnBrk="0" hangingPunct="1">
-              <a:lnSpc>
-                <a:spcPct val="90000"/>
-              </a:lnSpc>
-              <a:spcBef>
-                <a:spcPts val="0"/>
-              </a:spcBef>
-              <a:spcAft>
-                <a:spcPts val="333"/>
-              </a:spcAft>
-              <a:buClrTx/>
-              <a:buSzTx/>
-              <a:buFontTx/>
-              <a:buNone/>
-              <a:tabLst/>
-              <a:defRPr/>
-            </a:pPr>
-            <a:r>
-              <a:rPr lang="en-GB" sz="900" dirty="0">
-                <a:solidFill>
-                  <a:srgbClr val="FF0000"/>
-                </a:solidFill>
-                <a:latin typeface="Consolas" panose="020B0609020204030204" pitchFamily="49" charset="0"/>
-              </a:rPr>
-              <a:t>lower</a:t>
-            </a:r>
-            <a:r>
-              <a:rPr lang="en-GB" sz="900" dirty="0">
-                <a:solidFill>
-                  <a:schemeClr val="accent2"/>
-                </a:solidFill>
-                <a:latin typeface="Consolas" panose="020B0609020204030204" pitchFamily="49" charset="0"/>
-              </a:rPr>
-              <a:t>("HELLO")</a:t>
-            </a:r>
-          </a:p>
-          <a:p>
-            <a:pPr marL="0" marR="0" lvl="0" indent="0" algn="l" defTabSz="914367" rtl="0" eaLnBrk="1" fontAlgn="auto" latinLnBrk="0" hangingPunct="1">
-              <a:lnSpc>
-                <a:spcPct val="90000"/>
-              </a:lnSpc>
-              <a:spcBef>
-                <a:spcPts val="0"/>
-              </a:spcBef>
-              <a:spcAft>
-                <a:spcPts val="333"/>
-              </a:spcAft>
-              <a:buClrTx/>
-              <a:buSzTx/>
-              <a:buFontTx/>
-              <a:buNone/>
-              <a:tabLst/>
-              <a:defRPr/>
-            </a:pPr>
-            <a:r>
-              <a:rPr lang="en-GB" sz="900" dirty="0">
-                <a:solidFill>
-                  <a:srgbClr val="FF0000"/>
-                </a:solidFill>
-                <a:latin typeface="Consolas" panose="020B0609020204030204" pitchFamily="49" charset="0"/>
-              </a:rPr>
-              <a:t>keys</a:t>
-            </a:r>
-            <a:r>
-              <a:rPr lang="en-GB" sz="900" dirty="0">
-                <a:solidFill>
-                  <a:schemeClr val="accent2"/>
-                </a:solidFill>
-                <a:latin typeface="Consolas" panose="020B0609020204030204" pitchFamily="49" charset="0"/>
-              </a:rPr>
-              <a:t>({a=1, c=2, d=3})</a:t>
-            </a:r>
-          </a:p>
-          <a:p>
-            <a:pPr marL="0" marR="0" lvl="0" indent="0" algn="l" defTabSz="914367" rtl="0" eaLnBrk="1" fontAlgn="auto" latinLnBrk="0" hangingPunct="1">
-              <a:lnSpc>
-                <a:spcPct val="90000"/>
-              </a:lnSpc>
-              <a:spcBef>
-                <a:spcPts val="0"/>
-              </a:spcBef>
-              <a:spcAft>
-                <a:spcPts val="333"/>
-              </a:spcAft>
-              <a:buClrTx/>
-              <a:buSzTx/>
-              <a:buFontTx/>
-              <a:buNone/>
-              <a:tabLst/>
-              <a:defRPr/>
-            </a:pPr>
-            <a:r>
-              <a:rPr lang="fr-FR" sz="900" dirty="0">
-                <a:solidFill>
-                  <a:srgbClr val="FF0000"/>
-                </a:solidFill>
-                <a:latin typeface="Consolas" panose="020B0609020204030204" pitchFamily="49" charset="0"/>
-              </a:rPr>
-              <a:t>sort</a:t>
-            </a:r>
-            <a:r>
-              <a:rPr lang="fr-FR" sz="900" dirty="0">
-                <a:solidFill>
-                  <a:schemeClr val="accent2"/>
-                </a:solidFill>
-                <a:latin typeface="Consolas" panose="020B0609020204030204" pitchFamily="49" charset="0"/>
-              </a:rPr>
-              <a:t>(["e", "d", "a"])</a:t>
-            </a:r>
-          </a:p>
-          <a:p>
-            <a:pPr marL="0" marR="0" lvl="0" indent="0" algn="l" defTabSz="914367" rtl="0" eaLnBrk="1" fontAlgn="auto" latinLnBrk="0" hangingPunct="1">
-              <a:lnSpc>
-                <a:spcPct val="90000"/>
-              </a:lnSpc>
-              <a:spcBef>
-                <a:spcPts val="0"/>
-              </a:spcBef>
-              <a:spcAft>
-                <a:spcPts val="333"/>
-              </a:spcAft>
-              <a:buClrTx/>
-              <a:buSzTx/>
-              <a:buFontTx/>
-              <a:buNone/>
-              <a:tabLst/>
-              <a:defRPr/>
-            </a:pPr>
-            <a:r>
-              <a:rPr lang="fi-FI" sz="900" dirty="0">
-                <a:solidFill>
-                  <a:srgbClr val="FF0000"/>
-                </a:solidFill>
-                <a:latin typeface="Consolas" panose="020B0609020204030204" pitchFamily="49" charset="0"/>
-              </a:rPr>
-              <a:t>toset</a:t>
-            </a:r>
-            <a:r>
-              <a:rPr lang="fi-FI" sz="900" dirty="0">
-                <a:solidFill>
-                  <a:schemeClr val="accent2"/>
-                </a:solidFill>
-                <a:latin typeface="Consolas" panose="020B0609020204030204" pitchFamily="49" charset="0"/>
-              </a:rPr>
-              <a:t>(["c", "b", "b"])</a:t>
-            </a:r>
-          </a:p>
-          <a:p>
-            <a:pPr marL="0" marR="0" lvl="0" indent="0" algn="l" defTabSz="914367" rtl="0" eaLnBrk="1" fontAlgn="auto" latinLnBrk="0" hangingPunct="1">
-              <a:lnSpc>
-                <a:spcPct val="90000"/>
-              </a:lnSpc>
-              <a:spcBef>
-                <a:spcPts val="0"/>
-              </a:spcBef>
-              <a:spcAft>
-                <a:spcPts val="333"/>
-              </a:spcAft>
-              <a:buClrTx/>
-              <a:buSzTx/>
-              <a:buFontTx/>
-              <a:buNone/>
-              <a:tabLst/>
-              <a:defRPr/>
-            </a:pPr>
-            <a:r>
-              <a:rPr lang="en-GB" sz="900" dirty="0">
-                <a:solidFill>
-                  <a:srgbClr val="FF0000"/>
-                </a:solidFill>
-                <a:latin typeface="Consolas" panose="020B0609020204030204" pitchFamily="49" charset="0"/>
-              </a:rPr>
-              <a:t>base64decode</a:t>
-            </a:r>
-            <a:r>
-              <a:rPr lang="en-GB" sz="900" dirty="0">
-                <a:solidFill>
-                  <a:schemeClr val="accent2"/>
-                </a:solidFill>
-                <a:latin typeface="Consolas" panose="020B0609020204030204" pitchFamily="49" charset="0"/>
-              </a:rPr>
-              <a:t>("SGVsbG8gV29ybGQ=")</a:t>
-            </a:r>
-          </a:p>
-          <a:p>
-            <a:pPr marL="0" marR="0" lvl="0" indent="0" algn="l" defTabSz="914367" rtl="0" eaLnBrk="1" fontAlgn="auto" latinLnBrk="0" hangingPunct="1">
-              <a:lnSpc>
-                <a:spcPct val="90000"/>
-              </a:lnSpc>
-              <a:spcBef>
-                <a:spcPts val="0"/>
-              </a:spcBef>
-              <a:spcAft>
-                <a:spcPts val="333"/>
-              </a:spcAft>
-              <a:buClrTx/>
-              <a:buSzTx/>
-              <a:buFontTx/>
-              <a:buNone/>
-              <a:tabLst/>
-              <a:defRPr/>
-            </a:pPr>
-            <a:r>
-              <a:rPr lang="en-GB" sz="900" dirty="0">
-                <a:solidFill>
-                  <a:srgbClr val="FF0000"/>
-                </a:solidFill>
-                <a:latin typeface="Consolas" panose="020B0609020204030204" pitchFamily="49" charset="0"/>
-              </a:rPr>
-              <a:t>sha256</a:t>
-            </a:r>
-            <a:r>
-              <a:rPr lang="en-GB" sz="900" dirty="0">
-                <a:solidFill>
-                  <a:schemeClr val="accent2"/>
-                </a:solidFill>
-                <a:latin typeface="Consolas" panose="020B0609020204030204" pitchFamily="49" charset="0"/>
-              </a:rPr>
-              <a:t>("hello world")</a:t>
-            </a:r>
-          </a:p>
-          <a:p>
-            <a:pPr marL="0" marR="0" lvl="0" indent="0" algn="l" defTabSz="914367" rtl="0" eaLnBrk="1" fontAlgn="auto" latinLnBrk="0" hangingPunct="1">
-              <a:lnSpc>
-                <a:spcPct val="90000"/>
-              </a:lnSpc>
-              <a:spcBef>
-                <a:spcPts val="0"/>
-              </a:spcBef>
-              <a:spcAft>
-                <a:spcPts val="333"/>
-              </a:spcAft>
-              <a:buClrTx/>
-              <a:buSzTx/>
-              <a:buFontTx/>
-              <a:buNone/>
-              <a:tabLst/>
-              <a:defRPr/>
-            </a:pPr>
-            <a:r>
-              <a:rPr lang="pt-BR" sz="900" dirty="0">
-                <a:solidFill>
-                  <a:srgbClr val="FF0000"/>
-                </a:solidFill>
-                <a:latin typeface="Consolas" panose="020B0609020204030204" pitchFamily="49" charset="0"/>
-              </a:rPr>
-              <a:t>cidrsubnet</a:t>
-            </a:r>
-            <a:r>
-              <a:rPr lang="pt-BR" sz="900" dirty="0">
-                <a:solidFill>
-                  <a:schemeClr val="accent2"/>
-                </a:solidFill>
-                <a:latin typeface="Consolas" panose="020B0609020204030204" pitchFamily="49" charset="0"/>
-              </a:rPr>
-              <a:t>("172.16.0.0/16", 8, 0)</a:t>
-            </a:r>
-          </a:p>
-          <a:p>
-            <a:pPr marL="0" marR="0" lvl="0" indent="0" algn="l" defTabSz="914367" rtl="0" eaLnBrk="1" fontAlgn="auto" latinLnBrk="0" hangingPunct="1">
-              <a:lnSpc>
-                <a:spcPct val="90000"/>
-              </a:lnSpc>
-              <a:spcBef>
-                <a:spcPts val="0"/>
-              </a:spcBef>
-              <a:spcAft>
-                <a:spcPts val="333"/>
-              </a:spcAft>
-              <a:buClrTx/>
-              <a:buSzTx/>
-              <a:buFontTx/>
-              <a:buNone/>
-              <a:tabLst/>
-              <a:defRPr/>
-            </a:pPr>
-            <a:r>
-              <a:rPr lang="pt-BR" sz="900" dirty="0">
-                <a:solidFill>
-                  <a:srgbClr val="FF0000"/>
-                </a:solidFill>
-                <a:latin typeface="Consolas" panose="020B0609020204030204" pitchFamily="49" charset="0"/>
-              </a:rPr>
-              <a:t>jsonencode</a:t>
-            </a:r>
-            <a:r>
-              <a:rPr lang="pt-BR" sz="900" dirty="0">
-                <a:solidFill>
-                  <a:schemeClr val="accent2"/>
-                </a:solidFill>
-                <a:latin typeface="Consolas" panose="020B0609020204030204" pitchFamily="49" charset="0"/>
-              </a:rPr>
-              <a:t>({"hello"="world"})</a:t>
-            </a:r>
-          </a:p>
-          <a:p>
-            <a:endParaRPr lang="pt-BR" sz="900" dirty="0">
-              <a:solidFill>
-                <a:schemeClr val="accent2"/>
-              </a:solidFill>
-              <a:latin typeface="Consolas" panose="020B0609020204030204" pitchFamily="49" charset="0"/>
-            </a:endParaRPr>
-          </a:p>
-          <a:p>
-            <a:endParaRPr lang="en-GB" dirty="0"/>
+            <a:r>
+              <a:rPr lang="en-GB" dirty="0"/>
+              <a:t>Before 0.12, this was all scattered</a:t>
+            </a:r>
           </a:p>
         </p:txBody>
       </p:sp>
@@ -16147,7 +15626,7 @@
           <a:p>
             <a:fld id="{386CE63F-9E7F-4C04-9D0D-FCA25A8E9E86}" type="datetime8">
               <a:rPr lang="en-US" smtClean="0"/>
-              <a:t>6/15/2020 12:15 PM</a:t>
+              <a:t>6/29/2023 12:20 PM</a:t>
             </a:fld>
             <a:endParaRPr lang="en-US" dirty="0"/>
           </a:p>
@@ -16180,7 +15659,7 @@
     </p:spTree>
     <p:extLst>
       <p:ext uri="{BB962C8B-B14F-4D97-AF65-F5344CB8AC3E}">
-        <p14:creationId xmlns:p14="http://schemas.microsoft.com/office/powerpoint/2010/main" val="1238483829"/>
+        <p14:creationId xmlns:p14="http://schemas.microsoft.com/office/powerpoint/2010/main" val="227095678"/>
       </p:ext>
     </p:extLst>
   </p:cSld>
@@ -16252,8 +15731,20 @@
               <a:defRPr/>
             </a:pPr>
             <a:r>
-              <a:rPr lang="en-GB" sz="800" dirty="0"/>
-              <a:t>Terraform console</a:t>
+              <a:rPr lang="en-GB" sz="900" dirty="0" err="1"/>
+              <a:t>abspath</a:t>
+            </a:r>
+            <a:r>
+              <a:rPr lang="en-GB" sz="900" dirty="0"/>
+              <a:t>(</a:t>
+            </a:r>
+            <a:r>
+              <a:rPr lang="en-GB" sz="900" dirty="0" err="1"/>
+              <a:t>path.root</a:t>
+            </a:r>
+            <a:r>
+              <a:rPr lang="en-GB" sz="900" dirty="0"/>
+              <a:t>)</a:t>
             </a:r>
           </a:p>
           <a:p>
@@ -16274,7 +15765,15 @@
               <a:tabLst/>
               <a:defRPr/>
             </a:pPr>
-            <a:endParaRPr lang="en-GB" sz="800" dirty="0"/>
+            <a:r>
+              <a:rPr lang="pt-BR" sz="900" dirty="0">
+                <a:solidFill>
+                  <a:schemeClr val="accent2"/>
+                </a:solidFill>
+                <a:latin typeface="Consolas" panose="020B0609020204030204" pitchFamily="49" charset="0"/>
+              </a:rPr>
+              <a:t>file("${path.root}/hello.txt")</a:t>
+            </a:r>
           </a:p>
           <a:p>
             <a:pPr marL="0" marR="0" lvl="0" indent="0" algn="l" defTabSz="914367" rtl="0" eaLnBrk="1" fontAlgn="auto" latinLnBrk="0" hangingPunct="1">
@@ -16294,22 +15793,12 @@
               <a:tabLst/>
               <a:defRPr/>
             </a:pPr>
-            <a:r>
-              <a:rPr lang="en-GB" sz="800" dirty="0" err="1"/>
-              <a:t>abspath</a:t>
-            </a:r>
-            <a:r>
-              <a:rPr lang="en-GB" sz="800" dirty="0"/>
-              <a:t>(</a:t>
-            </a:r>
-            <a:r>
-              <a:rPr lang="en-GB" sz="800" dirty="0" err="1"/>
-              <a:t>path.root</a:t>
-            </a:r>
-            <a:r>
-              <a:rPr lang="en-GB" sz="800" dirty="0"/>
-              <a:t>)</a:t>
-            </a:r>
+            <a:endParaRPr lang="fr-FR" sz="900" dirty="0">
+              <a:solidFill>
+                <a:srgbClr val="FF0000"/>
+              </a:solidFill>
+              <a:latin typeface="Consolas" panose="020B0609020204030204" pitchFamily="49" charset="0"/>
+            </a:endParaRPr>
           </a:p>
           <a:p>
             <a:pPr marL="0" marR="0" lvl="0" indent="0" algn="l" defTabSz="914367" rtl="0" eaLnBrk="1" fontAlgn="auto" latinLnBrk="0" hangingPunct="1">
@@ -16330,13 +15819,42 @@
               <a:defRPr/>
             </a:pPr>
             <a:r>
-              <a:rPr lang="pt-BR" sz="800" dirty="0">
+              <a:rPr lang="fr-FR" sz="900" dirty="0">
+                <a:solidFill>
+                  <a:srgbClr val="FF0000"/>
+                </a:solidFill>
+                <a:latin typeface="Consolas" panose="020B0609020204030204" pitchFamily="49" charset="0"/>
+              </a:rPr>
+              <a:t>max</a:t>
+            </a:r>
+            <a:r>
+              <a:rPr lang="fr-FR" sz="900" dirty="0">
                 <a:solidFill>
                   <a:schemeClr val="accent2"/>
                 </a:solidFill>
                 <a:latin typeface="Consolas" panose="020B0609020204030204" pitchFamily="49" charset="0"/>
               </a:rPr>
-              <a:t>file("${path.root}/hello.txt")</a:t>
+              <a:t>(12,54,3)</a:t>
+            </a:r>
+          </a:p>
+          <a:p>
+            <a:r>
+              <a:rPr lang="fr-FR" sz="900" dirty="0">
+                <a:solidFill>
+                  <a:srgbClr val="FF0000"/>
+                </a:solidFill>
+                <a:latin typeface="Consolas" panose="020B0609020204030204" pitchFamily="49" charset="0"/>
+              </a:rPr>
+              <a:t>max</a:t>
+            </a:r>
+            <a:r>
+              <a:rPr lang="fr-FR" sz="900" dirty="0">
+                <a:solidFill>
+                  <a:schemeClr val="accent2"/>
+                </a:solidFill>
+                <a:latin typeface="Consolas" panose="020B0609020204030204" pitchFamily="49" charset="0"/>
+              </a:rPr>
+              <a:t>([12,54,3]...)</a:t>
             </a:r>
           </a:p>
           <a:p>
@@ -16357,12 +15875,24 @@
               <a:tabLst/>
               <a:defRPr/>
             </a:pPr>
-            <a:endParaRPr lang="fr-FR" sz="800" dirty="0">
-              <a:solidFill>
-                <a:srgbClr val="FF0000"/>
-              </a:solidFill>
-              <a:latin typeface="Consolas" panose="020B0609020204030204" pitchFamily="49" charset="0"/>
-            </a:endParaRPr>
+            <a:r>
+              <a:rPr lang="en-GB" sz="900" dirty="0">
+                <a:solidFill>
+                  <a:srgbClr val="FF0000"/>
+                </a:solidFill>
+                <a:latin typeface="Consolas" panose="020B0609020204030204" pitchFamily="49" charset="0"/>
+              </a:rPr>
+              <a:t>split</a:t>
+            </a:r>
+            <a:r>
+              <a:rPr lang="en-GB" sz="900" dirty="0">
+                <a:solidFill>
+                  <a:schemeClr val="accent2"/>
+                </a:solidFill>
+                <a:latin typeface="Consolas" panose="020B0609020204030204" pitchFamily="49" charset="0"/>
+              </a:rPr>
+              <a:t>(",", "foo,bar,baz")</a:t>
+            </a:r>
           </a:p>
           <a:p>
             <a:pPr marL="0" marR="0" lvl="0" indent="0" algn="l" defTabSz="914367" rtl="0" eaLnBrk="1" fontAlgn="auto" latinLnBrk="0" hangingPunct="1">
@@ -16383,42 +15913,22 @@
               <a:defRPr/>
             </a:pPr>
             <a:r>
-              <a:rPr lang="fr-FR" sz="800" dirty="0">
+              <a:rPr lang="en-GB" sz="900" dirty="0">
                 <a:solidFill>
                   <a:srgbClr val="FF0000"/>
                 </a:solidFill>
                 <a:latin typeface="Consolas" panose="020B0609020204030204" pitchFamily="49" charset="0"/>
               </a:rPr>
-              <a:t>max</a:t>
-            </a:r>
-            <a:r>
-              <a:rPr lang="fr-FR" sz="800" dirty="0">
+              <a:t>join</a:t>
+            </a:r>
+            <a:r>
+              <a:rPr lang="en-GB" sz="900" dirty="0">
                 <a:solidFill>
                   <a:schemeClr val="accent2"/>
                 </a:solidFill>
                 <a:latin typeface="Consolas" panose="020B0609020204030204" pitchFamily="49" charset="0"/>
               </a:rPr>
-              <a:t>(12,54,3)</a:t>
-            </a:r>
-          </a:p>
-          <a:p>
-            <a:r>
-              <a:rPr lang="fr-FR" sz="800" dirty="0">
-                <a:solidFill>
-                  <a:srgbClr val="FF0000"/>
-                </a:solidFill>
-                <a:latin typeface="Consolas" panose="020B0609020204030204" pitchFamily="49" charset="0"/>
-              </a:rPr>
-              <a:t>max</a:t>
-            </a:r>
-            <a:r>
-              <a:rPr lang="fr-FR" sz="800" dirty="0">
-                <a:solidFill>
-                  <a:schemeClr val="accent2"/>
-                </a:solidFill>
-                <a:latin typeface="Consolas" panose="020B0609020204030204" pitchFamily="49" charset="0"/>
-              </a:rPr>
-              <a:t>([12,54,3]...)</a:t>
+              <a:t>(" ", ["foo", "bar", "baz"])</a:t>
             </a:r>
           </a:p>
           <a:p>
@@ -16440,22 +15950,22 @@
               <a:defRPr/>
             </a:pPr>
             <a:r>
-              <a:rPr lang="en-GB" sz="800" dirty="0">
+              <a:rPr lang="en-GB" sz="900" dirty="0">
                 <a:solidFill>
                   <a:srgbClr val="FF0000"/>
                 </a:solidFill>
                 <a:latin typeface="Consolas" panose="020B0609020204030204" pitchFamily="49" charset="0"/>
               </a:rPr>
-              <a:t>split</a:t>
-            </a:r>
-            <a:r>
-              <a:rPr lang="en-GB" sz="800" dirty="0">
+              <a:t>lower</a:t>
+            </a:r>
+            <a:r>
+              <a:rPr lang="en-GB" sz="900" dirty="0">
                 <a:solidFill>
                   <a:schemeClr val="accent2"/>
                 </a:solidFill>
                 <a:latin typeface="Consolas" panose="020B0609020204030204" pitchFamily="49" charset="0"/>
               </a:rPr>
-              <a:t>(",", "foo,bar,baz")</a:t>
+              <a:t>("HELLO")</a:t>
             </a:r>
           </a:p>
           <a:p>
@@ -16477,22 +15987,22 @@
               <a:defRPr/>
             </a:pPr>
             <a:r>
-              <a:rPr lang="en-GB" sz="800" dirty="0">
+              <a:rPr lang="en-GB" sz="900" dirty="0">
                 <a:solidFill>
                   <a:srgbClr val="FF0000"/>
                 </a:solidFill>
                 <a:latin typeface="Consolas" panose="020B0609020204030204" pitchFamily="49" charset="0"/>
               </a:rPr>
-              <a:t>join</a:t>
-            </a:r>
-            <a:r>
-              <a:rPr lang="en-GB" sz="800" dirty="0">
+              <a:t>keys</a:t>
+            </a:r>
+            <a:r>
+              <a:rPr lang="en-GB" sz="900" dirty="0">
                 <a:solidFill>
                   <a:schemeClr val="accent2"/>
                 </a:solidFill>
                 <a:latin typeface="Consolas" panose="020B0609020204030204" pitchFamily="49" charset="0"/>
               </a:rPr>
-              <a:t>(" ", ["foo", "bar", "baz"])</a:t>
+              <a:t>({a=1, c=2, d=3})</a:t>
             </a:r>
           </a:p>
           <a:p>
@@ -16514,22 +16024,22 @@
               <a:defRPr/>
             </a:pPr>
             <a:r>
-              <a:rPr lang="en-GB" sz="800" dirty="0">
+              <a:rPr lang="fr-FR" sz="900" dirty="0">
                 <a:solidFill>
                   <a:srgbClr val="FF0000"/>
                 </a:solidFill>
                 <a:latin typeface="Consolas" panose="020B0609020204030204" pitchFamily="49" charset="0"/>
               </a:rPr>
-              <a:t>lower</a:t>
-            </a:r>
-            <a:r>
-              <a:rPr lang="en-GB" sz="800" dirty="0">
+              <a:t>sort</a:t>
+            </a:r>
+            <a:r>
+              <a:rPr lang="fr-FR" sz="900" dirty="0">
                 <a:solidFill>
                   <a:schemeClr val="accent2"/>
                 </a:solidFill>
                 <a:latin typeface="Consolas" panose="020B0609020204030204" pitchFamily="49" charset="0"/>
               </a:rPr>
-              <a:t>("HELLO")</a:t>
+              <a:t>(["e", "d", "a"])</a:t>
             </a:r>
           </a:p>
           <a:p>
@@ -16551,22 +16061,22 @@
               <a:defRPr/>
             </a:pPr>
             <a:r>
-              <a:rPr lang="en-GB" sz="800" dirty="0">
+              <a:rPr lang="fi-FI" sz="900" dirty="0">
                 <a:solidFill>
                   <a:srgbClr val="FF0000"/>
                 </a:solidFill>
                 <a:latin typeface="Consolas" panose="020B0609020204030204" pitchFamily="49" charset="0"/>
               </a:rPr>
-              <a:t>keys</a:t>
-            </a:r>
-            <a:r>
-              <a:rPr lang="en-GB" sz="800" dirty="0">
+              <a:t>toset</a:t>
+            </a:r>
+            <a:r>
+              <a:rPr lang="fi-FI" sz="900" dirty="0">
                 <a:solidFill>
                   <a:schemeClr val="accent2"/>
                 </a:solidFill>
                 <a:latin typeface="Consolas" panose="020B0609020204030204" pitchFamily="49" charset="0"/>
               </a:rPr>
-              <a:t>({a=1, c=2, d=3})</a:t>
+              <a:t>(["c", "b", "b"])</a:t>
             </a:r>
           </a:p>
           <a:p>
@@ -16588,22 +16098,22 @@
               <a:defRPr/>
             </a:pPr>
             <a:r>
-              <a:rPr lang="fr-FR" sz="800" dirty="0">
+              <a:rPr lang="en-GB" sz="900" dirty="0">
                 <a:solidFill>
                   <a:srgbClr val="FF0000"/>
                 </a:solidFill>
                 <a:latin typeface="Consolas" panose="020B0609020204030204" pitchFamily="49" charset="0"/>
               </a:rPr>
-              <a:t>sort</a:t>
-            </a:r>
-            <a:r>
-              <a:rPr lang="fr-FR" sz="800" dirty="0">
+              <a:t>base64decode</a:t>
+            </a:r>
+            <a:r>
+              <a:rPr lang="en-GB" sz="900" dirty="0">
                 <a:solidFill>
                   <a:schemeClr val="accent2"/>
                 </a:solidFill>
                 <a:latin typeface="Consolas" panose="020B0609020204030204" pitchFamily="49" charset="0"/>
               </a:rPr>
-              <a:t>(["e", "d", "a"])</a:t>
+              <a:t>("SGVsbG8gV29ybGQ=")</a:t>
             </a:r>
           </a:p>
           <a:p>
@@ -16625,22 +16135,22 @@
               <a:defRPr/>
             </a:pPr>
             <a:r>
-              <a:rPr lang="fi-FI" sz="800" dirty="0">
+              <a:rPr lang="en-GB" sz="900" dirty="0">
                 <a:solidFill>
                   <a:srgbClr val="FF0000"/>
                 </a:solidFill>
                 <a:latin typeface="Consolas" panose="020B0609020204030204" pitchFamily="49" charset="0"/>
               </a:rPr>
-              <a:t>toset</a:t>
-            </a:r>
-            <a:r>
-              <a:rPr lang="fi-FI" sz="800" dirty="0">
+              <a:t>sha256</a:t>
+            </a:r>
+            <a:r>
+              <a:rPr lang="en-GB" sz="900" dirty="0">
                 <a:solidFill>
                   <a:schemeClr val="accent2"/>
                 </a:solidFill>
                 <a:latin typeface="Consolas" panose="020B0609020204030204" pitchFamily="49" charset="0"/>
               </a:rPr>
-              <a:t>(["c", "b", "b"])</a:t>
+              <a:t>("hello world")</a:t>
             </a:r>
           </a:p>
           <a:p>
@@ -16662,22 +16172,22 @@
               <a:defRPr/>
             </a:pPr>
             <a:r>
-              <a:rPr lang="en-GB" sz="800" dirty="0">
+              <a:rPr lang="pt-BR" sz="900" dirty="0">
                 <a:solidFill>
                   <a:srgbClr val="FF0000"/>
                 </a:solidFill>
                 <a:latin typeface="Consolas" panose="020B0609020204030204" pitchFamily="49" charset="0"/>
               </a:rPr>
-              <a:t>base64decode</a:t>
-            </a:r>
-            <a:r>
-              <a:rPr lang="en-GB" sz="800" dirty="0">
+              <a:t>cidrsubnet</a:t>
+            </a:r>
+            <a:r>
+              <a:rPr lang="pt-BR" sz="900" dirty="0">
                 <a:solidFill>
                   <a:schemeClr val="accent2"/>
                 </a:solidFill>
                 <a:latin typeface="Consolas" panose="020B0609020204030204" pitchFamily="49" charset="0"/>
               </a:rPr>
-              <a:t>("SGVsbG8gV29ybGQ=")</a:t>
+              <a:t>("172.16.0.0/16", 8, 0)</a:t>
             </a:r>
           </a:p>
           <a:p>
@@ -16699,114 +16209,31 @@
               <a:defRPr/>
             </a:pPr>
             <a:r>
-              <a:rPr lang="en-GB" sz="800" dirty="0">
+              <a:rPr lang="pt-BR" sz="900" dirty="0">
                 <a:solidFill>
                   <a:srgbClr val="FF0000"/>
                 </a:solidFill>
                 <a:latin typeface="Consolas" panose="020B0609020204030204" pitchFamily="49" charset="0"/>
               </a:rPr>
-              <a:t>sha256</a:t>
-            </a:r>
-            <a:r>
-              <a:rPr lang="en-GB" sz="800" dirty="0">
+              <a:t>jsonencode</a:t>
+            </a:r>
+            <a:r>
+              <a:rPr lang="pt-BR" sz="900" dirty="0">
                 <a:solidFill>
                   <a:schemeClr val="accent2"/>
                 </a:solidFill>
                 <a:latin typeface="Consolas" panose="020B0609020204030204" pitchFamily="49" charset="0"/>
               </a:rPr>
-              <a:t>("hello world")</a:t>
-            </a:r>
-          </a:p>
-          <a:p>
-            <a:pPr marL="0" marR="0" lvl="0" indent="0" algn="l" defTabSz="914367" rtl="0" eaLnBrk="1" fontAlgn="auto" latinLnBrk="0" hangingPunct="1">
-              <a:lnSpc>
-                <a:spcPct val="90000"/>
-              </a:lnSpc>
-              <a:spcBef>
-                <a:spcPts val="0"/>
-              </a:spcBef>
-              <a:spcAft>
-                <a:spcPts val="333"/>
-              </a:spcAft>
-              <a:buClrTx/>
-              <a:buSzTx/>
-              <a:buFontTx/>
-              <a:buNone/>
-              <a:tabLst/>
-              <a:defRPr/>
-            </a:pPr>
-            <a:r>
-              <a:rPr lang="pt-BR" sz="800" dirty="0">
-                <a:solidFill>
-                  <a:srgbClr val="FF0000"/>
-                </a:solidFill>
-                <a:latin typeface="Consolas" panose="020B0609020204030204" pitchFamily="49" charset="0"/>
-              </a:rPr>
-              <a:t>cidrsubnet</a:t>
-            </a:r>
-            <a:r>
-              <a:rPr lang="pt-BR" sz="800" dirty="0">
-                <a:solidFill>
-                  <a:schemeClr val="accent2"/>
-                </a:solidFill>
-                <a:latin typeface="Consolas" panose="020B0609020204030204" pitchFamily="49" charset="0"/>
-              </a:rPr>
-              <a:t>("172.16.0.0/16", 8, 0)</a:t>
-            </a:r>
-          </a:p>
-          <a:p>
-            <a:pPr marL="0" marR="0" lvl="0" indent="0" algn="l" defTabSz="914367" rtl="0" eaLnBrk="1" fontAlgn="auto" latinLnBrk="0" hangingPunct="1">
-              <a:lnSpc>
-                <a:spcPct val="90000"/>
-              </a:lnSpc>
-              <a:spcBef>
-                <a:spcPts val="0"/>
-              </a:spcBef>
-              <a:spcAft>
-                <a:spcPts val="333"/>
-              </a:spcAft>
-              <a:buClrTx/>
-              <a:buSzTx/>
-              <a:buFontTx/>
-              <a:buNone/>
-              <a:tabLst/>
-              <a:defRPr/>
-            </a:pPr>
-            <a:r>
-              <a:rPr lang="pt-BR" sz="800" dirty="0">
-                <a:solidFill>
-                  <a:srgbClr val="FF0000"/>
-                </a:solidFill>
-                <a:latin typeface="Consolas" panose="020B0609020204030204" pitchFamily="49" charset="0"/>
-              </a:rPr>
-              <a:t>jsonencode</a:t>
-            </a:r>
-            <a:r>
-              <a:rPr lang="pt-BR" sz="800" dirty="0">
-                <a:solidFill>
-                  <a:schemeClr val="accent2"/>
-                </a:solidFill>
-                <a:latin typeface="Consolas" panose="020B0609020204030204" pitchFamily="49" charset="0"/>
-              </a:rPr>
               <a:t>({"hello"="world"})</a:t>
             </a:r>
           </a:p>
           <a:p>
-            <a:endParaRPr lang="pt-BR" sz="800" dirty="0">
+            <a:endParaRPr lang="pt-BR" sz="900" dirty="0">
               <a:solidFill>
                 <a:schemeClr val="accent2"/>
               </a:solidFill>
               <a:latin typeface="Consolas" panose="020B0609020204030204" pitchFamily="49" charset="0"/>
             </a:endParaRPr>
-          </a:p>
-          <a:p>
-            <a:r>
-              <a:rPr lang="en-GB" dirty="0">
-                <a:hlinkClick r:id="rId3"/>
-              </a:rPr>
-              <a:t>https://www.terraform.io/docs/configuration/expressions.html</a:t>
-            </a:r>
-            <a:endParaRPr lang="en-GB" dirty="0"/>
           </a:p>
           <a:p>
             <a:endParaRPr lang="en-GB" dirty="0"/>
@@ -16903,7 +16330,7 @@
           <a:p>
             <a:fld id="{386CE63F-9E7F-4C04-9D0D-FCA25A8E9E86}" type="datetime8">
               <a:rPr lang="en-US" smtClean="0"/>
-              <a:t>6/15/2020 12:15 PM</a:t>
+              <a:t>6/29/2023 12:20 PM</a:t>
             </a:fld>
             <a:endParaRPr lang="en-US" dirty="0"/>
           </a:p>
@@ -16936,7 +16363,7 @@
     </p:spTree>
     <p:extLst>
       <p:ext uri="{BB962C8B-B14F-4D97-AF65-F5344CB8AC3E}">
-        <p14:creationId xmlns:p14="http://schemas.microsoft.com/office/powerpoint/2010/main" val="2616960574"/>
+        <p14:creationId xmlns:p14="http://schemas.microsoft.com/office/powerpoint/2010/main" val="1238483829"/>
       </p:ext>
     </p:extLst>
   </p:cSld>
@@ -16990,7 +16417,582 @@
           <a:bodyPr/>
           <a:lstStyle/>
           <a:p>
-            <a:endParaRPr lang="en-US" dirty="0"/>
+            <a:pPr marL="0" marR="0" lvl="0" indent="0" algn="l" defTabSz="914367" rtl="0" eaLnBrk="1" fontAlgn="auto" latinLnBrk="0" hangingPunct="1">
+              <a:lnSpc>
+                <a:spcPct val="90000"/>
+              </a:lnSpc>
+              <a:spcBef>
+                <a:spcPts val="0"/>
+              </a:spcBef>
+              <a:spcAft>
+                <a:spcPts val="333"/>
+              </a:spcAft>
+              <a:buClrTx/>
+              <a:buSzTx/>
+              <a:buFontTx/>
+              <a:buNone/>
+              <a:tabLst/>
+              <a:defRPr/>
+            </a:pPr>
+            <a:r>
+              <a:rPr lang="en-GB" sz="800" dirty="0"/>
+              <a:t>Terraform console</a:t>
+            </a:r>
+          </a:p>
+          <a:p>
+            <a:pPr marL="0" marR="0" lvl="0" indent="0" algn="l" defTabSz="914367" rtl="0" eaLnBrk="1" fontAlgn="auto" latinLnBrk="0" hangingPunct="1">
+              <a:lnSpc>
+                <a:spcPct val="90000"/>
+              </a:lnSpc>
+              <a:spcBef>
+                <a:spcPts val="0"/>
+              </a:spcBef>
+              <a:spcAft>
+                <a:spcPts val="333"/>
+              </a:spcAft>
+              <a:buClrTx/>
+              <a:buSzTx/>
+              <a:buFontTx/>
+              <a:buNone/>
+              <a:tabLst/>
+              <a:defRPr/>
+            </a:pPr>
+            <a:endParaRPr lang="en-GB" sz="800" dirty="0"/>
+          </a:p>
+          <a:p>
+            <a:pPr marL="0" marR="0" lvl="0" indent="0" algn="l" defTabSz="914367" rtl="0" eaLnBrk="1" fontAlgn="auto" latinLnBrk="0" hangingPunct="1">
+              <a:lnSpc>
+                <a:spcPct val="90000"/>
+              </a:lnSpc>
+              <a:spcBef>
+                <a:spcPts val="0"/>
+              </a:spcBef>
+              <a:spcAft>
+                <a:spcPts val="333"/>
+              </a:spcAft>
+              <a:buClrTx/>
+              <a:buSzTx/>
+              <a:buFontTx/>
+              <a:buNone/>
+              <a:tabLst/>
+              <a:defRPr/>
+            </a:pPr>
+            <a:r>
+              <a:rPr lang="en-GB" sz="800" dirty="0" err="1"/>
+              <a:t>abspath</a:t>
+            </a:r>
+            <a:r>
+              <a:rPr lang="en-GB" sz="800" dirty="0"/>
+              <a:t>(</a:t>
+            </a:r>
+            <a:r>
+              <a:rPr lang="en-GB" sz="800" dirty="0" err="1"/>
+              <a:t>path.root</a:t>
+            </a:r>
+            <a:r>
+              <a:rPr lang="en-GB" sz="800" dirty="0"/>
+              <a:t>)</a:t>
+            </a:r>
+          </a:p>
+          <a:p>
+            <a:pPr marL="0" marR="0" lvl="0" indent="0" algn="l" defTabSz="914367" rtl="0" eaLnBrk="1" fontAlgn="auto" latinLnBrk="0" hangingPunct="1">
+              <a:lnSpc>
+                <a:spcPct val="90000"/>
+              </a:lnSpc>
+              <a:spcBef>
+                <a:spcPts val="0"/>
+              </a:spcBef>
+              <a:spcAft>
+                <a:spcPts val="333"/>
+              </a:spcAft>
+              <a:buClrTx/>
+              <a:buSzTx/>
+              <a:buFontTx/>
+              <a:buNone/>
+              <a:tabLst/>
+              <a:defRPr/>
+            </a:pPr>
+            <a:r>
+              <a:rPr lang="pt-BR" sz="800" dirty="0">
+                <a:solidFill>
+                  <a:schemeClr val="accent2"/>
+                </a:solidFill>
+                <a:latin typeface="Consolas" panose="020B0609020204030204" pitchFamily="49" charset="0"/>
+              </a:rPr>
+              <a:t>file("${path.root}/hello.txt")</a:t>
+            </a:r>
+          </a:p>
+          <a:p>
+            <a:pPr marL="0" marR="0" lvl="0" indent="0" algn="l" defTabSz="914367" rtl="0" eaLnBrk="1" fontAlgn="auto" latinLnBrk="0" hangingPunct="1">
+              <a:lnSpc>
+                <a:spcPct val="90000"/>
+              </a:lnSpc>
+              <a:spcBef>
+                <a:spcPts val="0"/>
+              </a:spcBef>
+              <a:spcAft>
+                <a:spcPts val="333"/>
+              </a:spcAft>
+              <a:buClrTx/>
+              <a:buSzTx/>
+              <a:buFontTx/>
+              <a:buNone/>
+              <a:tabLst/>
+              <a:defRPr/>
+            </a:pPr>
+            <a:endParaRPr lang="fr-FR" sz="800" dirty="0">
+              <a:solidFill>
+                <a:srgbClr val="FF0000"/>
+              </a:solidFill>
+              <a:latin typeface="Consolas" panose="020B0609020204030204" pitchFamily="49" charset="0"/>
+            </a:endParaRPr>
+          </a:p>
+          <a:p>
+            <a:pPr marL="0" marR="0" lvl="0" indent="0" algn="l" defTabSz="914367" rtl="0" eaLnBrk="1" fontAlgn="auto" latinLnBrk="0" hangingPunct="1">
+              <a:lnSpc>
+                <a:spcPct val="90000"/>
+              </a:lnSpc>
+              <a:spcBef>
+                <a:spcPts val="0"/>
+              </a:spcBef>
+              <a:spcAft>
+                <a:spcPts val="333"/>
+              </a:spcAft>
+              <a:buClrTx/>
+              <a:buSzTx/>
+              <a:buFontTx/>
+              <a:buNone/>
+              <a:tabLst/>
+              <a:defRPr/>
+            </a:pPr>
+            <a:r>
+              <a:rPr lang="fr-FR" sz="800" dirty="0">
+                <a:solidFill>
+                  <a:srgbClr val="FF0000"/>
+                </a:solidFill>
+                <a:latin typeface="Consolas" panose="020B0609020204030204" pitchFamily="49" charset="0"/>
+              </a:rPr>
+              <a:t>max</a:t>
+            </a:r>
+            <a:r>
+              <a:rPr lang="fr-FR" sz="800" dirty="0">
+                <a:solidFill>
+                  <a:schemeClr val="accent2"/>
+                </a:solidFill>
+                <a:latin typeface="Consolas" panose="020B0609020204030204" pitchFamily="49" charset="0"/>
+              </a:rPr>
+              <a:t>(12,54,3)</a:t>
+            </a:r>
+          </a:p>
+          <a:p>
+            <a:r>
+              <a:rPr lang="fr-FR" sz="800" dirty="0">
+                <a:solidFill>
+                  <a:srgbClr val="FF0000"/>
+                </a:solidFill>
+                <a:latin typeface="Consolas" panose="020B0609020204030204" pitchFamily="49" charset="0"/>
+              </a:rPr>
+              <a:t>max</a:t>
+            </a:r>
+            <a:r>
+              <a:rPr lang="fr-FR" sz="800" dirty="0">
+                <a:solidFill>
+                  <a:schemeClr val="accent2"/>
+                </a:solidFill>
+                <a:latin typeface="Consolas" panose="020B0609020204030204" pitchFamily="49" charset="0"/>
+              </a:rPr>
+              <a:t>([12,54,3]...)</a:t>
+            </a:r>
+          </a:p>
+          <a:p>
+            <a:pPr marL="0" marR="0" lvl="0" indent="0" algn="l" defTabSz="914367" rtl="0" eaLnBrk="1" fontAlgn="auto" latinLnBrk="0" hangingPunct="1">
+              <a:lnSpc>
+                <a:spcPct val="90000"/>
+              </a:lnSpc>
+              <a:spcBef>
+                <a:spcPts val="0"/>
+              </a:spcBef>
+              <a:spcAft>
+                <a:spcPts val="333"/>
+              </a:spcAft>
+              <a:buClrTx/>
+              <a:buSzTx/>
+              <a:buFontTx/>
+              <a:buNone/>
+              <a:tabLst/>
+              <a:defRPr/>
+            </a:pPr>
+            <a:r>
+              <a:rPr lang="en-GB" sz="800" dirty="0">
+                <a:solidFill>
+                  <a:srgbClr val="FF0000"/>
+                </a:solidFill>
+                <a:latin typeface="Consolas" panose="020B0609020204030204" pitchFamily="49" charset="0"/>
+              </a:rPr>
+              <a:t>split</a:t>
+            </a:r>
+            <a:r>
+              <a:rPr lang="en-GB" sz="800" dirty="0">
+                <a:solidFill>
+                  <a:schemeClr val="accent2"/>
+                </a:solidFill>
+                <a:latin typeface="Consolas" panose="020B0609020204030204" pitchFamily="49" charset="0"/>
+              </a:rPr>
+              <a:t>(",", "foo,bar,baz")</a:t>
+            </a:r>
+          </a:p>
+          <a:p>
+            <a:pPr marL="0" marR="0" lvl="0" indent="0" algn="l" defTabSz="914367" rtl="0" eaLnBrk="1" fontAlgn="auto" latinLnBrk="0" hangingPunct="1">
+              <a:lnSpc>
+                <a:spcPct val="90000"/>
+              </a:lnSpc>
+              <a:spcBef>
+                <a:spcPts val="0"/>
+              </a:spcBef>
+              <a:spcAft>
+                <a:spcPts val="333"/>
+              </a:spcAft>
+              <a:buClrTx/>
+              <a:buSzTx/>
+              <a:buFontTx/>
+              <a:buNone/>
+              <a:tabLst/>
+              <a:defRPr/>
+            </a:pPr>
+            <a:r>
+              <a:rPr lang="en-GB" sz="800" dirty="0">
+                <a:solidFill>
+                  <a:srgbClr val="FF0000"/>
+                </a:solidFill>
+                <a:latin typeface="Consolas" panose="020B0609020204030204" pitchFamily="49" charset="0"/>
+              </a:rPr>
+              <a:t>join</a:t>
+            </a:r>
+            <a:r>
+              <a:rPr lang="en-GB" sz="800" dirty="0">
+                <a:solidFill>
+                  <a:schemeClr val="accent2"/>
+                </a:solidFill>
+                <a:latin typeface="Consolas" panose="020B0609020204030204" pitchFamily="49" charset="0"/>
+              </a:rPr>
+              <a:t>(" ", ["foo", "bar", "baz"])</a:t>
+            </a:r>
+          </a:p>
+          <a:p>
+            <a:pPr marL="0" marR="0" lvl="0" indent="0" algn="l" defTabSz="914367" rtl="0" eaLnBrk="1" fontAlgn="auto" latinLnBrk="0" hangingPunct="1">
+              <a:lnSpc>
+                <a:spcPct val="90000"/>
+              </a:lnSpc>
+              <a:spcBef>
+                <a:spcPts val="0"/>
+              </a:spcBef>
+              <a:spcAft>
+                <a:spcPts val="333"/>
+              </a:spcAft>
+              <a:buClrTx/>
+              <a:buSzTx/>
+              <a:buFontTx/>
+              <a:buNone/>
+              <a:tabLst/>
+              <a:defRPr/>
+            </a:pPr>
+            <a:r>
+              <a:rPr lang="en-GB" sz="800" dirty="0">
+                <a:solidFill>
+                  <a:srgbClr val="FF0000"/>
+                </a:solidFill>
+                <a:latin typeface="Consolas" panose="020B0609020204030204" pitchFamily="49" charset="0"/>
+              </a:rPr>
+              <a:t>lower</a:t>
+            </a:r>
+            <a:r>
+              <a:rPr lang="en-GB" sz="800" dirty="0">
+                <a:solidFill>
+                  <a:schemeClr val="accent2"/>
+                </a:solidFill>
+                <a:latin typeface="Consolas" panose="020B0609020204030204" pitchFamily="49" charset="0"/>
+              </a:rPr>
+              <a:t>("HELLO")</a:t>
+            </a:r>
+          </a:p>
+          <a:p>
+            <a:pPr marL="0" marR="0" lvl="0" indent="0" algn="l" defTabSz="914367" rtl="0" eaLnBrk="1" fontAlgn="auto" latinLnBrk="0" hangingPunct="1">
+              <a:lnSpc>
+                <a:spcPct val="90000"/>
+              </a:lnSpc>
+              <a:spcBef>
+                <a:spcPts val="0"/>
+              </a:spcBef>
+              <a:spcAft>
+                <a:spcPts val="333"/>
+              </a:spcAft>
+              <a:buClrTx/>
+              <a:buSzTx/>
+              <a:buFontTx/>
+              <a:buNone/>
+              <a:tabLst/>
+              <a:defRPr/>
+            </a:pPr>
+            <a:r>
+              <a:rPr lang="en-GB" sz="800" dirty="0">
+                <a:solidFill>
+                  <a:srgbClr val="FF0000"/>
+                </a:solidFill>
+                <a:latin typeface="Consolas" panose="020B0609020204030204" pitchFamily="49" charset="0"/>
+              </a:rPr>
+              <a:t>keys</a:t>
+            </a:r>
+            <a:r>
+              <a:rPr lang="en-GB" sz="800" dirty="0">
+                <a:solidFill>
+                  <a:schemeClr val="accent2"/>
+                </a:solidFill>
+                <a:latin typeface="Consolas" panose="020B0609020204030204" pitchFamily="49" charset="0"/>
+              </a:rPr>
+              <a:t>({a=1, c=2, d=3})</a:t>
+            </a:r>
+          </a:p>
+          <a:p>
+            <a:pPr marL="0" marR="0" lvl="0" indent="0" algn="l" defTabSz="914367" rtl="0" eaLnBrk="1" fontAlgn="auto" latinLnBrk="0" hangingPunct="1">
+              <a:lnSpc>
+                <a:spcPct val="90000"/>
+              </a:lnSpc>
+              <a:spcBef>
+                <a:spcPts val="0"/>
+              </a:spcBef>
+              <a:spcAft>
+                <a:spcPts val="333"/>
+              </a:spcAft>
+              <a:buClrTx/>
+              <a:buSzTx/>
+              <a:buFontTx/>
+              <a:buNone/>
+              <a:tabLst/>
+              <a:defRPr/>
+            </a:pPr>
+            <a:r>
+              <a:rPr lang="fr-FR" sz="800" dirty="0">
+                <a:solidFill>
+                  <a:srgbClr val="FF0000"/>
+                </a:solidFill>
+                <a:latin typeface="Consolas" panose="020B0609020204030204" pitchFamily="49" charset="0"/>
+              </a:rPr>
+              <a:t>sort</a:t>
+            </a:r>
+            <a:r>
+              <a:rPr lang="fr-FR" sz="800" dirty="0">
+                <a:solidFill>
+                  <a:schemeClr val="accent2"/>
+                </a:solidFill>
+                <a:latin typeface="Consolas" panose="020B0609020204030204" pitchFamily="49" charset="0"/>
+              </a:rPr>
+              <a:t>(["e", "d", "a"])</a:t>
+            </a:r>
+          </a:p>
+          <a:p>
+            <a:pPr marL="0" marR="0" lvl="0" indent="0" algn="l" defTabSz="914367" rtl="0" eaLnBrk="1" fontAlgn="auto" latinLnBrk="0" hangingPunct="1">
+              <a:lnSpc>
+                <a:spcPct val="90000"/>
+              </a:lnSpc>
+              <a:spcBef>
+                <a:spcPts val="0"/>
+              </a:spcBef>
+              <a:spcAft>
+                <a:spcPts val="333"/>
+              </a:spcAft>
+              <a:buClrTx/>
+              <a:buSzTx/>
+              <a:buFontTx/>
+              <a:buNone/>
+              <a:tabLst/>
+              <a:defRPr/>
+            </a:pPr>
+            <a:r>
+              <a:rPr lang="fi-FI" sz="800" dirty="0">
+                <a:solidFill>
+                  <a:srgbClr val="FF0000"/>
+                </a:solidFill>
+                <a:latin typeface="Consolas" panose="020B0609020204030204" pitchFamily="49" charset="0"/>
+              </a:rPr>
+              <a:t>toset</a:t>
+            </a:r>
+            <a:r>
+              <a:rPr lang="fi-FI" sz="800" dirty="0">
+                <a:solidFill>
+                  <a:schemeClr val="accent2"/>
+                </a:solidFill>
+                <a:latin typeface="Consolas" panose="020B0609020204030204" pitchFamily="49" charset="0"/>
+              </a:rPr>
+              <a:t>(["c", "b", "b"])</a:t>
+            </a:r>
+          </a:p>
+          <a:p>
+            <a:pPr marL="0" marR="0" lvl="0" indent="0" algn="l" defTabSz="914367" rtl="0" eaLnBrk="1" fontAlgn="auto" latinLnBrk="0" hangingPunct="1">
+              <a:lnSpc>
+                <a:spcPct val="90000"/>
+              </a:lnSpc>
+              <a:spcBef>
+                <a:spcPts val="0"/>
+              </a:spcBef>
+              <a:spcAft>
+                <a:spcPts val="333"/>
+              </a:spcAft>
+              <a:buClrTx/>
+              <a:buSzTx/>
+              <a:buFontTx/>
+              <a:buNone/>
+              <a:tabLst/>
+              <a:defRPr/>
+            </a:pPr>
+            <a:r>
+              <a:rPr lang="en-GB" sz="800" dirty="0">
+                <a:solidFill>
+                  <a:srgbClr val="FF0000"/>
+                </a:solidFill>
+                <a:latin typeface="Consolas" panose="020B0609020204030204" pitchFamily="49" charset="0"/>
+              </a:rPr>
+              <a:t>base64decode</a:t>
+            </a:r>
+            <a:r>
+              <a:rPr lang="en-GB" sz="800" dirty="0">
+                <a:solidFill>
+                  <a:schemeClr val="accent2"/>
+                </a:solidFill>
+                <a:latin typeface="Consolas" panose="020B0609020204030204" pitchFamily="49" charset="0"/>
+              </a:rPr>
+              <a:t>("SGVsbG8gV29ybGQ=")</a:t>
+            </a:r>
+          </a:p>
+          <a:p>
+            <a:pPr marL="0" marR="0" lvl="0" indent="0" algn="l" defTabSz="914367" rtl="0" eaLnBrk="1" fontAlgn="auto" latinLnBrk="0" hangingPunct="1">
+              <a:lnSpc>
+                <a:spcPct val="90000"/>
+              </a:lnSpc>
+              <a:spcBef>
+                <a:spcPts val="0"/>
+              </a:spcBef>
+              <a:spcAft>
+                <a:spcPts val="333"/>
+              </a:spcAft>
+              <a:buClrTx/>
+              <a:buSzTx/>
+              <a:buFontTx/>
+              <a:buNone/>
+              <a:tabLst/>
+              <a:defRPr/>
+            </a:pPr>
+            <a:r>
+              <a:rPr lang="en-GB" sz="800" dirty="0">
+                <a:solidFill>
+                  <a:srgbClr val="FF0000"/>
+                </a:solidFill>
+                <a:latin typeface="Consolas" panose="020B0609020204030204" pitchFamily="49" charset="0"/>
+              </a:rPr>
+              <a:t>sha256</a:t>
+            </a:r>
+            <a:r>
+              <a:rPr lang="en-GB" sz="800" dirty="0">
+                <a:solidFill>
+                  <a:schemeClr val="accent2"/>
+                </a:solidFill>
+                <a:latin typeface="Consolas" panose="020B0609020204030204" pitchFamily="49" charset="0"/>
+              </a:rPr>
+              <a:t>("hello world")</a:t>
+            </a:r>
+          </a:p>
+          <a:p>
+            <a:pPr marL="0" marR="0" lvl="0" indent="0" algn="l" defTabSz="914367" rtl="0" eaLnBrk="1" fontAlgn="auto" latinLnBrk="0" hangingPunct="1">
+              <a:lnSpc>
+                <a:spcPct val="90000"/>
+              </a:lnSpc>
+              <a:spcBef>
+                <a:spcPts val="0"/>
+              </a:spcBef>
+              <a:spcAft>
+                <a:spcPts val="333"/>
+              </a:spcAft>
+              <a:buClrTx/>
+              <a:buSzTx/>
+              <a:buFontTx/>
+              <a:buNone/>
+              <a:tabLst/>
+              <a:defRPr/>
+            </a:pPr>
+            <a:r>
+              <a:rPr lang="pt-BR" sz="800" dirty="0">
+                <a:solidFill>
+                  <a:srgbClr val="FF0000"/>
+                </a:solidFill>
+                <a:latin typeface="Consolas" panose="020B0609020204030204" pitchFamily="49" charset="0"/>
+              </a:rPr>
+              <a:t>cidrsubnet</a:t>
+            </a:r>
+            <a:r>
+              <a:rPr lang="pt-BR" sz="800" dirty="0">
+                <a:solidFill>
+                  <a:schemeClr val="accent2"/>
+                </a:solidFill>
+                <a:latin typeface="Consolas" panose="020B0609020204030204" pitchFamily="49" charset="0"/>
+              </a:rPr>
+              <a:t>("172.16.0.0/16", 8, 0)</a:t>
+            </a:r>
+          </a:p>
+          <a:p>
+            <a:pPr marL="0" marR="0" lvl="0" indent="0" algn="l" defTabSz="914367" rtl="0" eaLnBrk="1" fontAlgn="auto" latinLnBrk="0" hangingPunct="1">
+              <a:lnSpc>
+                <a:spcPct val="90000"/>
+              </a:lnSpc>
+              <a:spcBef>
+                <a:spcPts val="0"/>
+              </a:spcBef>
+              <a:spcAft>
+                <a:spcPts val="333"/>
+              </a:spcAft>
+              <a:buClrTx/>
+              <a:buSzTx/>
+              <a:buFontTx/>
+              <a:buNone/>
+              <a:tabLst/>
+              <a:defRPr/>
+            </a:pPr>
+            <a:r>
+              <a:rPr lang="pt-BR" sz="800" dirty="0">
+                <a:solidFill>
+                  <a:srgbClr val="FF0000"/>
+                </a:solidFill>
+                <a:latin typeface="Consolas" panose="020B0609020204030204" pitchFamily="49" charset="0"/>
+              </a:rPr>
+              <a:t>jsonencode</a:t>
+            </a:r>
+            <a:r>
+              <a:rPr lang="pt-BR" sz="800" dirty="0">
+                <a:solidFill>
+                  <a:schemeClr val="accent2"/>
+                </a:solidFill>
+                <a:latin typeface="Consolas" panose="020B0609020204030204" pitchFamily="49" charset="0"/>
+              </a:rPr>
+              <a:t>({"hello"="world"})</a:t>
+            </a:r>
+          </a:p>
+          <a:p>
+            <a:endParaRPr lang="pt-BR" sz="800" dirty="0">
+              <a:solidFill>
+                <a:schemeClr val="accent2"/>
+              </a:solidFill>
+              <a:latin typeface="Consolas" panose="020B0609020204030204" pitchFamily="49" charset="0"/>
+            </a:endParaRPr>
+          </a:p>
+          <a:p>
+            <a:r>
+              <a:rPr lang="en-GB" dirty="0">
+                <a:hlinkClick r:id="rId3"/>
+              </a:rPr>
+              <a:t>https://www.terraform.io/docs/configuration/expressions.html</a:t>
+            </a:r>
+            <a:endParaRPr lang="en-GB" dirty="0"/>
+          </a:p>
+          <a:p>
+            <a:endParaRPr lang="en-GB" dirty="0"/>
           </a:p>
         </p:txBody>
       </p:sp>
@@ -17001,7 +17003,7 @@
             <a:spLocks noGrp="1"/>
           </p:cNvSpPr>
           <p:nvPr>
-            <p:ph type="hdr" sz="quarter" idx="10"/>
+            <p:ph type="hdr" sz="quarter"/>
           </p:nvPr>
         </p:nvSpPr>
         <p:spPr/>
@@ -17020,7 +17022,7 @@
             <a:spLocks noGrp="1"/>
           </p:cNvSpPr>
           <p:nvPr>
-            <p:ph type="ftr" sz="quarter" idx="11"/>
+            <p:ph type="ftr" sz="quarter" idx="4"/>
           </p:nvPr>
         </p:nvSpPr>
         <p:spPr/>
@@ -17030,7 +17032,7 @@
           <a:p>
             <a:pPr defTabSz="914099" eaLnBrk="0" hangingPunct="0"/>
             <a:r>
-              <a:rPr lang="en-US" sz="400" dirty="0">
+              <a:rPr lang="en-US" sz="400">
                 <a:gradFill>
                   <a:gsLst>
                     <a:gs pos="0">
@@ -17048,6 +17050,22 @@
               </a:rPr>
               <a:t>© Microsoft Corporation. All rights reserved. MICROSOFT MAKES NO WARRANTIES, EXPRESS, IMPLIED OR STATUTORY, AS TO THE INFORMATION IN THIS PRESENTATION.</a:t>
             </a:r>
+            <a:endParaRPr lang="en-US" sz="400" dirty="0">
+              <a:gradFill>
+                <a:gsLst>
+                  <a:gs pos="0">
+                    <a:prstClr val="black"/>
+                  </a:gs>
+                  <a:gs pos="100000">
+                    <a:prstClr val="black"/>
+                  </a:gs>
+                </a:gsLst>
+                <a:lin ang="5400000" scaled="0"/>
+              </a:gradFill>
+              <a:latin typeface="Segoe UI" pitchFamily="34" charset="0"/>
+              <a:ea typeface="Segoe UI" pitchFamily="34" charset="0"/>
+              <a:cs typeface="Segoe UI" pitchFamily="34" charset="0"/>
+            </a:endParaRPr>
           </a:p>
         </p:txBody>
       </p:sp>
@@ -17058,7 +17076,7 @@
             <a:spLocks noGrp="1"/>
           </p:cNvSpPr>
           <p:nvPr>
-            <p:ph type="dt" idx="12"/>
+            <p:ph type="dt" idx="1"/>
           </p:nvPr>
         </p:nvSpPr>
         <p:spPr/>
@@ -17066,9 +17084,9 @@
           <a:bodyPr/>
           <a:lstStyle/>
           <a:p>
-            <a:fld id="{9427A7F7-BB1E-479D-AFAA-B52F4D0C99F2}" type="datetime8">
+            <a:fld id="{386CE63F-9E7F-4C04-9D0D-FCA25A8E9E86}" type="datetime8">
               <a:rPr lang="en-US" smtClean="0"/>
-              <a:t>6/15/2020 12:15 PM</a:t>
+              <a:t>6/29/2023 12:20 PM</a:t>
             </a:fld>
             <a:endParaRPr lang="en-US" dirty="0"/>
           </a:p>
@@ -17081,7 +17099,7 @@
             <a:spLocks noGrp="1"/>
           </p:cNvSpPr>
           <p:nvPr>
-            <p:ph type="sldNum" sz="quarter" idx="13"/>
+            <p:ph type="sldNum" sz="quarter" idx="5"/>
           </p:nvPr>
         </p:nvSpPr>
         <p:spPr/>
@@ -17101,7 +17119,7 @@
     </p:spTree>
     <p:extLst>
       <p:ext uri="{BB962C8B-B14F-4D97-AF65-F5344CB8AC3E}">
-        <p14:creationId xmlns:p14="http://schemas.microsoft.com/office/powerpoint/2010/main" val="1958519690"/>
+        <p14:creationId xmlns:p14="http://schemas.microsoft.com/office/powerpoint/2010/main" val="2616960574"/>
       </p:ext>
     </p:extLst>
   </p:cSld>
@@ -17199,6 +17217,171 @@
             <p:ph type="sldImg"/>
           </p:nvPr>
         </p:nvSpPr>
+        <p:spPr/>
+      </p:sp>
+      <p:sp>
+        <p:nvSpPr>
+          <p:cNvPr id="3" name="Notes Placeholder 2"/>
+          <p:cNvSpPr>
+            <a:spLocks noGrp="1"/>
+          </p:cNvSpPr>
+          <p:nvPr>
+            <p:ph type="body" idx="1"/>
+          </p:nvPr>
+        </p:nvSpPr>
+        <p:spPr/>
+        <p:txBody>
+          <a:bodyPr/>
+          <a:lstStyle/>
+          <a:p>
+            <a:endParaRPr lang="en-US" dirty="0"/>
+          </a:p>
+        </p:txBody>
+      </p:sp>
+      <p:sp>
+        <p:nvSpPr>
+          <p:cNvPr id="4" name="Header Placeholder 3"/>
+          <p:cNvSpPr>
+            <a:spLocks noGrp="1"/>
+          </p:cNvSpPr>
+          <p:nvPr>
+            <p:ph type="hdr" sz="quarter" idx="10"/>
+          </p:nvPr>
+        </p:nvSpPr>
+        <p:spPr/>
+        <p:txBody>
+          <a:bodyPr/>
+          <a:lstStyle/>
+          <a:p>
+            <a:endParaRPr lang="en-US" dirty="0"/>
+          </a:p>
+        </p:txBody>
+      </p:sp>
+      <p:sp>
+        <p:nvSpPr>
+          <p:cNvPr id="5" name="Footer Placeholder 4"/>
+          <p:cNvSpPr>
+            <a:spLocks noGrp="1"/>
+          </p:cNvSpPr>
+          <p:nvPr>
+            <p:ph type="ftr" sz="quarter" idx="11"/>
+          </p:nvPr>
+        </p:nvSpPr>
+        <p:spPr/>
+        <p:txBody>
+          <a:bodyPr/>
+          <a:lstStyle/>
+          <a:p>
+            <a:pPr defTabSz="914099" eaLnBrk="0" hangingPunct="0"/>
+            <a:r>
+              <a:rPr lang="en-US" sz="400" dirty="0">
+                <a:gradFill>
+                  <a:gsLst>
+                    <a:gs pos="0">
+                      <a:prstClr val="black"/>
+                    </a:gs>
+                    <a:gs pos="100000">
+                      <a:prstClr val="black"/>
+                    </a:gs>
+                  </a:gsLst>
+                  <a:lin ang="5400000" scaled="0"/>
+                </a:gradFill>
+                <a:latin typeface="Segoe UI" pitchFamily="34" charset="0"/>
+                <a:ea typeface="Segoe UI" pitchFamily="34" charset="0"/>
+                <a:cs typeface="Segoe UI" pitchFamily="34" charset="0"/>
+              </a:rPr>
+              <a:t>© Microsoft Corporation. All rights reserved. MICROSOFT MAKES NO WARRANTIES, EXPRESS, IMPLIED OR STATUTORY, AS TO THE INFORMATION IN THIS PRESENTATION.</a:t>
+            </a:r>
+          </a:p>
+        </p:txBody>
+      </p:sp>
+      <p:sp>
+        <p:nvSpPr>
+          <p:cNvPr id="6" name="Date Placeholder 5"/>
+          <p:cNvSpPr>
+            <a:spLocks noGrp="1"/>
+          </p:cNvSpPr>
+          <p:nvPr>
+            <p:ph type="dt" idx="12"/>
+          </p:nvPr>
+        </p:nvSpPr>
+        <p:spPr/>
+        <p:txBody>
+          <a:bodyPr/>
+          <a:lstStyle/>
+          <a:p>
+            <a:fld id="{9427A7F7-BB1E-479D-AFAA-B52F4D0C99F2}" type="datetime8">
+              <a:rPr lang="en-US" smtClean="0"/>
+              <a:t>6/29/2023 12:20 PM</a:t>
+            </a:fld>
+            <a:endParaRPr lang="en-US" dirty="0"/>
+          </a:p>
+        </p:txBody>
+      </p:sp>
+      <p:sp>
+        <p:nvSpPr>
+          <p:cNvPr id="7" name="Slide Number Placeholder 6"/>
+          <p:cNvSpPr>
+            <a:spLocks noGrp="1"/>
+          </p:cNvSpPr>
+          <p:nvPr>
+            <p:ph type="sldNum" sz="quarter" idx="13"/>
+          </p:nvPr>
+        </p:nvSpPr>
+        <p:spPr/>
+        <p:txBody>
+          <a:bodyPr/>
+          <a:lstStyle/>
+          <a:p>
+            <a:fld id="{B4008EB6-D09E-4580-8CD6-DDB14511944F}" type="slidenum">
+              <a:rPr lang="en-US" smtClean="0"/>
+              <a:pPr/>
+              <a:t>21</a:t>
+            </a:fld>
+            <a:endParaRPr lang="en-US" dirty="0"/>
+          </a:p>
+        </p:txBody>
+      </p:sp>
+    </p:spTree>
+    <p:extLst>
+      <p:ext uri="{BB962C8B-B14F-4D97-AF65-F5344CB8AC3E}">
+        <p14:creationId xmlns:p14="http://schemas.microsoft.com/office/powerpoint/2010/main" val="1958519690"/>
+      </p:ext>
+    </p:extLst>
+  </p:cSld>
+  <p:clrMapOvr>
+    <a:masterClrMapping/>
+  </p:clrMapOvr>
+</p:notes>
+</file>
+
+<file path=ppt/notesSlides/notesSlide21.xml><?xml version="1.0" encoding="utf-8"?>
+<p:notes xmlns:a="http://schemas.openxmlformats.org/drawingml/2006/main" xmlns:r="http://schemas.openxmlformats.org/officeDocument/2006/relationships" xmlns:p="http://schemas.openxmlformats.org/presentationml/2006/main">
+  <p:cSld>
+    <p:spTree>
+      <p:nvGrpSpPr>
+        <p:cNvPr id="1" name=""/>
+        <p:cNvGrpSpPr/>
+        <p:nvPr/>
+      </p:nvGrpSpPr>
+      <p:grpSpPr>
+        <a:xfrm>
+          <a:off x="0" y="0"/>
+          <a:ext cx="0" cy="0"/>
+          <a:chOff x="0" y="0"/>
+          <a:chExt cx="0" cy="0"/>
+        </a:xfrm>
+      </p:grpSpPr>
+      <p:sp>
+        <p:nvSpPr>
+          <p:cNvPr id="2" name="Slide Image Placeholder 1"/>
+          <p:cNvSpPr>
+            <a:spLocks noGrp="1" noRot="1" noChangeAspect="1"/>
+          </p:cNvSpPr>
+          <p:nvPr>
+            <p:ph type="sldImg"/>
+          </p:nvPr>
+        </p:nvSpPr>
         <p:spPr>
           <a:xfrm>
             <a:off x="381000" y="685800"/>
@@ -17279,7 +17462,7 @@
                   <a:prstClr val="black"/>
                 </a:solidFill>
               </a:rPr>
-              <a:t>6/15/2020 12:15 PM</a:t>
+              <a:t>6/29/2023 12:20 PM</a:t>
             </a:fld>
             <a:endParaRPr lang="en-US" dirty="0">
               <a:solidFill>
@@ -17311,7 +17494,7 @@
                 </a:solidFill>
               </a:rPr>
               <a:pPr/>
-              <a:t>21</a:t>
+              <a:t>22</a:t>
             </a:fld>
             <a:endParaRPr lang="en-US" dirty="0">
               <a:solidFill>
@@ -17558,7 +17741,7 @@
           <a:p>
             <a:fld id="{386CE63F-9E7F-4C04-9D0D-FCA25A8E9E86}" type="datetime8">
               <a:rPr lang="en-US" smtClean="0"/>
-              <a:t>6/15/2020 12:16 PM</a:t>
+              <a:t>6/29/2023 12:20 PM</a:t>
             </a:fld>
             <a:endParaRPr lang="en-US" dirty="0"/>
           </a:p>
@@ -17742,7 +17925,7 @@
           <a:p>
             <a:fld id="{386CE63F-9E7F-4C04-9D0D-FCA25A8E9E86}" type="datetime8">
               <a:rPr lang="en-US" smtClean="0"/>
-              <a:t>6/15/2020 12:15 PM</a:t>
+              <a:t>6/29/2023 12:20 PM</a:t>
             </a:fld>
             <a:endParaRPr lang="en-US" dirty="0"/>
           </a:p>
@@ -17944,7 +18127,7 @@
           <a:p>
             <a:fld id="{386CE63F-9E7F-4C04-9D0D-FCA25A8E9E86}" type="datetime8">
               <a:rPr lang="en-US" smtClean="0"/>
-              <a:t>6/15/2020 12:15 PM</a:t>
+              <a:t>6/29/2023 12:20 PM</a:t>
             </a:fld>
             <a:endParaRPr lang="en-US" dirty="0"/>
           </a:p>
@@ -18148,7 +18331,7 @@
           <a:p>
             <a:fld id="{386CE63F-9E7F-4C04-9D0D-FCA25A8E9E86}" type="datetime8">
               <a:rPr lang="en-US" smtClean="0"/>
-              <a:t>6/15/2020 12:15 PM</a:t>
+              <a:t>6/29/2023 12:20 PM</a:t>
             </a:fld>
             <a:endParaRPr lang="en-US" dirty="0"/>
           </a:p>
@@ -18350,7 +18533,7 @@
           <a:p>
             <a:fld id="{386CE63F-9E7F-4C04-9D0D-FCA25A8E9E86}" type="datetime8">
               <a:rPr lang="en-US" smtClean="0"/>
-              <a:t>6/15/2020 12:15 PM</a:t>
+              <a:t>6/29/2023 12:20 PM</a:t>
             </a:fld>
             <a:endParaRPr lang="en-US" dirty="0"/>
           </a:p>
@@ -18709,7 +18892,7 @@
           <a:p>
             <a:fld id="{386CE63F-9E7F-4C04-9D0D-FCA25A8E9E86}" type="datetime8">
               <a:rPr lang="en-US" smtClean="0"/>
-              <a:t>6/15/2020 12:15 PM</a:t>
+              <a:t>6/29/2023 12:21 PM</a:t>
             </a:fld>
             <a:endParaRPr lang="en-US" dirty="0"/>
           </a:p>
@@ -19028,7 +19211,7 @@
           <a:p>
             <a:fld id="{386CE63F-9E7F-4C04-9D0D-FCA25A8E9E86}" type="datetime8">
               <a:rPr lang="en-US" smtClean="0"/>
-              <a:t>6/15/2020 12:15 PM</a:t>
+              <a:t>6/29/2023 12:20 PM</a:t>
             </a:fld>
             <a:endParaRPr lang="en-US" dirty="0"/>
           </a:p>
@@ -30112,7 +30295,7 @@
                 </a:solidFill>
                 <a:latin typeface="Consolas" panose="020B0609020204030204" pitchFamily="49" charset="0"/>
               </a:rPr>
-              <a:t>    count </a:t>
+              <a:t>    count    </a:t>
             </a:r>
             <a:r>
               <a:rPr lang="en-GB" dirty="0">
@@ -30159,7 +30342,7 @@
                 </a:solidFill>
                 <a:latin typeface="Consolas" panose="020B0609020204030204" pitchFamily="49" charset="0"/>
               </a:rPr>
-              <a:t>    name </a:t>
+              <a:t>    name     </a:t>
             </a:r>
             <a:r>
               <a:rPr lang="en-GB" dirty="0">
@@ -30217,7 +30400,7 @@
                 </a:solidFill>
                 <a:latin typeface="Consolas" panose="020B0609020204030204" pitchFamily="49" charset="0"/>
               </a:rPr>
-              <a:t>    tags </a:t>
+              <a:t>    tags     </a:t>
             </a:r>
             <a:r>
               <a:rPr lang="en-GB" dirty="0">
@@ -30726,7 +30909,7 @@
           <a:p>
             <a:r>
               <a:rPr lang="en-GB" dirty="0"/>
-              <a:t>Terraform Import</a:t>
+              <a:t>Terraform Import Command</a:t>
             </a:r>
           </a:p>
         </p:txBody>
@@ -30925,7 +31108,7 @@
                 </a:solidFill>
                 <a:latin typeface="Consolas" panose="020B0609020204030204" pitchFamily="49" charset="0"/>
               </a:rPr>
-              <a:t>    name </a:t>
+              <a:t>    name     </a:t>
             </a:r>
             <a:r>
               <a:rPr lang="en-GB" dirty="0">
@@ -30952,7 +31135,7 @@
                 </a:solidFill>
                 <a:latin typeface="Consolas" panose="020B0609020204030204" pitchFamily="49" charset="0"/>
               </a:rPr>
-              <a:t>“</a:t>
+              <a:t>"</a:t>
             </a:r>
             <a:r>
               <a:rPr lang="en-GB" dirty="0" err="1">
@@ -31352,6 +31535,733 @@
             <p:ph type="title"/>
           </p:nvPr>
         </p:nvSpPr>
+        <p:spPr>
+          <a:xfrm>
+            <a:off x="588263" y="457200"/>
+            <a:ext cx="11018520" cy="553998"/>
+          </a:xfrm>
+        </p:spPr>
+        <p:txBody>
+          <a:bodyPr/>
+          <a:lstStyle/>
+          <a:p>
+            <a:r>
+              <a:rPr lang="en-GB" dirty="0"/>
+              <a:t>Terraform Import Block</a:t>
+            </a:r>
+          </a:p>
+        </p:txBody>
+      </p:sp>
+      <p:sp>
+        <p:nvSpPr>
+          <p:cNvPr id="6" name="Rectangle 5">
+            <a:extLst>
+              <a:ext uri="{FF2B5EF4-FFF2-40B4-BE49-F238E27FC236}">
+                <a16:creationId xmlns:a16="http://schemas.microsoft.com/office/drawing/2014/main" id="{0B3ABB8D-0118-458A-BEA8-70E172BD1E80}"/>
+              </a:ext>
+            </a:extLst>
+          </p:cNvPr>
+          <p:cNvSpPr/>
+          <p:nvPr/>
+        </p:nvSpPr>
+        <p:spPr>
+          <a:xfrm>
+            <a:off x="588260" y="1189890"/>
+            <a:ext cx="11160392" cy="1450397"/>
+          </a:xfrm>
+          <a:prstGeom prst="rect">
+            <a:avLst/>
+          </a:prstGeom>
+        </p:spPr>
+        <p:txBody>
+          <a:bodyPr wrap="square">
+            <a:spAutoFit/>
+          </a:bodyPr>
+          <a:lstStyle/>
+          <a:p>
+            <a:r>
+              <a:rPr lang="en-GB" dirty="0"/>
+              <a:t>The terraform import block is used to import multiple existing infrastructure components.</a:t>
+            </a:r>
+          </a:p>
+          <a:p>
+            <a:endParaRPr lang="en-GB" dirty="0"/>
+          </a:p>
+          <a:p>
+            <a:r>
+              <a:rPr lang="en-GB" dirty="0"/>
+              <a:t>Requires Terraform CLI &gt;=1.5.0</a:t>
+            </a:r>
+          </a:p>
+          <a:p>
+            <a:endParaRPr lang="en-GB" dirty="0"/>
+          </a:p>
+          <a:p>
+            <a:r>
+              <a:rPr lang="en-GB" dirty="0"/>
+              <a:t>It can also optionally generate the config for you.</a:t>
+            </a:r>
+          </a:p>
+        </p:txBody>
+      </p:sp>
+      <p:sp>
+        <p:nvSpPr>
+          <p:cNvPr id="8" name="Rectangle 7">
+            <a:extLst>
+              <a:ext uri="{FF2B5EF4-FFF2-40B4-BE49-F238E27FC236}">
+                <a16:creationId xmlns:a16="http://schemas.microsoft.com/office/drawing/2014/main" id="{85DFC961-626B-4545-89BE-963E520C4426}"/>
+              </a:ext>
+            </a:extLst>
+          </p:cNvPr>
+          <p:cNvSpPr/>
+          <p:nvPr/>
+        </p:nvSpPr>
+        <p:spPr>
+          <a:xfrm>
+            <a:off x="588260" y="2859649"/>
+            <a:ext cx="10868633" cy="2808461"/>
+          </a:xfrm>
+          <a:prstGeom prst="rect">
+            <a:avLst/>
+          </a:prstGeom>
+        </p:spPr>
+        <p:txBody>
+          <a:bodyPr wrap="square">
+            <a:spAutoFit/>
+          </a:bodyPr>
+          <a:lstStyle/>
+          <a:p>
+            <a:r>
+              <a:rPr lang="en-GB" dirty="0">
+                <a:solidFill>
+                  <a:srgbClr val="FA8D3E"/>
+                </a:solidFill>
+                <a:latin typeface="Consolas" panose="020B0609020204030204" pitchFamily="49" charset="0"/>
+              </a:rPr>
+              <a:t>import</a:t>
+            </a:r>
+            <a:r>
+              <a:rPr lang="en-GB" dirty="0"/>
+              <a:t> </a:t>
+            </a:r>
+          </a:p>
+          <a:p>
+            <a:r>
+              <a:rPr lang="en-GB" dirty="0"/>
+              <a:t>{</a:t>
+            </a:r>
+          </a:p>
+          <a:p>
+            <a:r>
+              <a:rPr lang="en-GB" dirty="0"/>
+              <a:t>    </a:t>
+            </a:r>
+            <a:r>
+              <a:rPr lang="en-GB" dirty="0">
+                <a:solidFill>
+                  <a:srgbClr val="6C7680"/>
+                </a:solidFill>
+                <a:latin typeface="Consolas" panose="020B0609020204030204" pitchFamily="49" charset="0"/>
+              </a:rPr>
+              <a:t>to</a:t>
+            </a:r>
+            <a:r>
+              <a:rPr lang="en-GB" dirty="0"/>
+              <a:t> </a:t>
+            </a:r>
+            <a:r>
+              <a:rPr lang="en-GB" dirty="0">
+                <a:solidFill>
+                  <a:srgbClr val="ED9366"/>
+                </a:solidFill>
+                <a:latin typeface="Consolas" panose="020B0609020204030204" pitchFamily="49" charset="0"/>
+              </a:rPr>
+              <a:t>=</a:t>
+            </a:r>
+            <a:r>
+              <a:rPr lang="en-GB" dirty="0"/>
+              <a:t> </a:t>
+            </a:r>
+            <a:r>
+              <a:rPr lang="en-GB" dirty="0" err="1">
+                <a:solidFill>
+                  <a:srgbClr val="6C7680"/>
+                </a:solidFill>
+                <a:latin typeface="Consolas" panose="020B0609020204030204" pitchFamily="49" charset="0"/>
+              </a:rPr>
+              <a:t>azurerm_resource_group.existing_rg</a:t>
+            </a:r>
+            <a:r>
+              <a:rPr lang="en-GB" dirty="0">
+                <a:solidFill>
+                  <a:srgbClr val="6C7680"/>
+                </a:solidFill>
+                <a:latin typeface="Consolas" panose="020B0609020204030204" pitchFamily="49" charset="0"/>
+              </a:rPr>
+              <a:t> </a:t>
+            </a:r>
+          </a:p>
+          <a:p>
+            <a:r>
+              <a:rPr lang="en-GB" dirty="0"/>
+              <a:t>    </a:t>
+            </a:r>
+            <a:r>
+              <a:rPr lang="en-GB" dirty="0">
+                <a:solidFill>
+                  <a:srgbClr val="6C7680"/>
+                </a:solidFill>
+                <a:latin typeface="Consolas" panose="020B0609020204030204" pitchFamily="49" charset="0"/>
+              </a:rPr>
+              <a:t>id</a:t>
+            </a:r>
+            <a:r>
+              <a:rPr lang="en-GB" dirty="0"/>
+              <a:t> </a:t>
+            </a:r>
+            <a:r>
+              <a:rPr lang="en-GB" dirty="0">
+                <a:solidFill>
+                  <a:srgbClr val="ED9366"/>
+                </a:solidFill>
+                <a:latin typeface="Consolas" panose="020B0609020204030204" pitchFamily="49" charset="0"/>
+              </a:rPr>
+              <a:t>=</a:t>
+            </a:r>
+            <a:r>
+              <a:rPr lang="en-GB" dirty="0"/>
+              <a:t> </a:t>
+            </a:r>
+            <a:r>
+              <a:rPr lang="en-GB" dirty="0">
+                <a:solidFill>
+                  <a:srgbClr val="86B300"/>
+                </a:solidFill>
+                <a:latin typeface="Consolas" panose="020B0609020204030204" pitchFamily="49" charset="0"/>
+              </a:rPr>
+              <a:t>"/subscriptions/&lt;</a:t>
+            </a:r>
+            <a:r>
+              <a:rPr lang="en-GB" dirty="0" err="1">
+                <a:solidFill>
+                  <a:srgbClr val="86B300"/>
+                </a:solidFill>
+                <a:latin typeface="Consolas" panose="020B0609020204030204" pitchFamily="49" charset="0"/>
+              </a:rPr>
+              <a:t>subscription_id</a:t>
+            </a:r>
+            <a:r>
+              <a:rPr lang="en-GB" dirty="0">
+                <a:solidFill>
+                  <a:srgbClr val="86B300"/>
+                </a:solidFill>
+                <a:latin typeface="Consolas" panose="020B0609020204030204" pitchFamily="49" charset="0"/>
+              </a:rPr>
+              <a:t>&gt;/</a:t>
+            </a:r>
+            <a:r>
+              <a:rPr lang="en-GB" dirty="0" err="1">
+                <a:solidFill>
+                  <a:srgbClr val="86B300"/>
+                </a:solidFill>
+                <a:latin typeface="Consolas" panose="020B0609020204030204" pitchFamily="49" charset="0"/>
+              </a:rPr>
+              <a:t>resourceGroups</a:t>
+            </a:r>
+            <a:r>
+              <a:rPr lang="en-GB" dirty="0">
+                <a:solidFill>
+                  <a:srgbClr val="86B300"/>
+                </a:solidFill>
+                <a:latin typeface="Consolas" panose="020B0609020204030204" pitchFamily="49" charset="0"/>
+              </a:rPr>
+              <a:t>/</a:t>
+            </a:r>
+            <a:r>
+              <a:rPr lang="en-GB" dirty="0" err="1">
+                <a:solidFill>
+                  <a:srgbClr val="86B300"/>
+                </a:solidFill>
+                <a:latin typeface="Consolas" panose="020B0609020204030204" pitchFamily="49" charset="0"/>
+              </a:rPr>
+              <a:t>rg_created_via_portal</a:t>
+            </a:r>
+            <a:r>
+              <a:rPr lang="en-GB" dirty="0">
+                <a:solidFill>
+                  <a:srgbClr val="86B300"/>
+                </a:solidFill>
+                <a:latin typeface="Consolas" panose="020B0609020204030204" pitchFamily="49" charset="0"/>
+              </a:rPr>
+              <a:t>" </a:t>
+            </a:r>
+          </a:p>
+          <a:p>
+            <a:r>
+              <a:rPr lang="en-GB" dirty="0"/>
+              <a:t>}</a:t>
+            </a:r>
+          </a:p>
+          <a:p>
+            <a:endParaRPr lang="en-GB" dirty="0">
+              <a:solidFill>
+                <a:srgbClr val="FA8D3E"/>
+              </a:solidFill>
+              <a:latin typeface="Consolas" panose="020B0609020204030204" pitchFamily="49" charset="0"/>
+            </a:endParaRPr>
+          </a:p>
+          <a:p>
+            <a:r>
+              <a:rPr lang="en-GB" dirty="0">
+                <a:solidFill>
+                  <a:srgbClr val="FA8D3E"/>
+                </a:solidFill>
+                <a:latin typeface="Consolas" panose="020B0609020204030204" pitchFamily="49" charset="0"/>
+              </a:rPr>
+              <a:t>resource</a:t>
+            </a:r>
+            <a:r>
+              <a:rPr lang="en-GB" dirty="0">
+                <a:solidFill>
+                  <a:srgbClr val="6C7680"/>
+                </a:solidFill>
+                <a:latin typeface="Consolas" panose="020B0609020204030204" pitchFamily="49" charset="0"/>
+              </a:rPr>
+              <a:t> </a:t>
+            </a:r>
+            <a:r>
+              <a:rPr lang="en-GB" dirty="0">
+                <a:solidFill>
+                  <a:srgbClr val="86B300"/>
+                </a:solidFill>
+                <a:latin typeface="Consolas" panose="020B0609020204030204" pitchFamily="49" charset="0"/>
+              </a:rPr>
+              <a:t>"azurerm_resource_group"</a:t>
+            </a:r>
+            <a:r>
+              <a:rPr lang="en-GB" dirty="0">
+                <a:solidFill>
+                  <a:srgbClr val="6C7680"/>
+                </a:solidFill>
+                <a:latin typeface="Consolas" panose="020B0609020204030204" pitchFamily="49" charset="0"/>
+              </a:rPr>
+              <a:t> </a:t>
+            </a:r>
+            <a:r>
+              <a:rPr lang="en-GB" dirty="0">
+                <a:solidFill>
+                  <a:srgbClr val="86B300"/>
+                </a:solidFill>
+                <a:latin typeface="Consolas" panose="020B0609020204030204" pitchFamily="49" charset="0"/>
+              </a:rPr>
+              <a:t>"</a:t>
+            </a:r>
+            <a:r>
+              <a:rPr lang="en-GB" dirty="0" err="1">
+                <a:solidFill>
+                  <a:srgbClr val="86B300"/>
+                </a:solidFill>
+                <a:latin typeface="Consolas" panose="020B0609020204030204" pitchFamily="49" charset="0"/>
+              </a:rPr>
+              <a:t>existing_rg</a:t>
+            </a:r>
+            <a:r>
+              <a:rPr lang="en-GB" dirty="0">
+                <a:solidFill>
+                  <a:srgbClr val="86B300"/>
+                </a:solidFill>
+                <a:latin typeface="Consolas" panose="020B0609020204030204" pitchFamily="49" charset="0"/>
+              </a:rPr>
+              <a:t>"</a:t>
+            </a:r>
+            <a:r>
+              <a:rPr lang="en-GB" dirty="0">
+                <a:solidFill>
+                  <a:srgbClr val="55B4D4"/>
+                </a:solidFill>
+                <a:latin typeface="Consolas" panose="020B0609020204030204" pitchFamily="49" charset="0"/>
+              </a:rPr>
+              <a:t>{</a:t>
+            </a:r>
+            <a:endParaRPr lang="en-GB" dirty="0">
+              <a:solidFill>
+                <a:srgbClr val="6C7680"/>
+              </a:solidFill>
+              <a:latin typeface="Consolas" panose="020B0609020204030204" pitchFamily="49" charset="0"/>
+            </a:endParaRPr>
+          </a:p>
+          <a:p>
+            <a:r>
+              <a:rPr lang="en-GB" dirty="0">
+                <a:solidFill>
+                  <a:srgbClr val="6C7680"/>
+                </a:solidFill>
+                <a:latin typeface="Consolas" panose="020B0609020204030204" pitchFamily="49" charset="0"/>
+              </a:rPr>
+              <a:t>    name     </a:t>
+            </a:r>
+            <a:r>
+              <a:rPr lang="en-GB" dirty="0">
+                <a:solidFill>
+                  <a:srgbClr val="ED9366"/>
+                </a:solidFill>
+                <a:latin typeface="Consolas" panose="020B0609020204030204" pitchFamily="49" charset="0"/>
+              </a:rPr>
+              <a:t>=</a:t>
+            </a:r>
+            <a:r>
+              <a:rPr lang="en-GB" dirty="0">
+                <a:solidFill>
+                  <a:srgbClr val="6C7680"/>
+                </a:solidFill>
+                <a:latin typeface="Consolas" panose="020B0609020204030204" pitchFamily="49" charset="0"/>
+              </a:rPr>
+              <a:t> </a:t>
+            </a:r>
+            <a:r>
+              <a:rPr lang="en-GB" dirty="0">
+                <a:solidFill>
+                  <a:srgbClr val="86B300"/>
+                </a:solidFill>
+                <a:latin typeface="Consolas" panose="020B0609020204030204" pitchFamily="49" charset="0"/>
+              </a:rPr>
+              <a:t>"</a:t>
+            </a:r>
+            <a:r>
+              <a:rPr lang="en-GB" dirty="0" err="1">
+                <a:solidFill>
+                  <a:srgbClr val="86B300"/>
+                </a:solidFill>
+                <a:latin typeface="Consolas" panose="020B0609020204030204" pitchFamily="49" charset="0"/>
+              </a:rPr>
+              <a:t>rg_created_via_portal</a:t>
+            </a:r>
+            <a:r>
+              <a:rPr lang="en-GB" dirty="0">
+                <a:solidFill>
+                  <a:srgbClr val="86B300"/>
+                </a:solidFill>
+                <a:latin typeface="Consolas" panose="020B0609020204030204" pitchFamily="49" charset="0"/>
+              </a:rPr>
+              <a:t>"</a:t>
+            </a:r>
+            <a:endParaRPr lang="en-GB" dirty="0">
+              <a:solidFill>
+                <a:srgbClr val="6C7680"/>
+              </a:solidFill>
+              <a:latin typeface="Consolas" panose="020B0609020204030204" pitchFamily="49" charset="0"/>
+            </a:endParaRPr>
+          </a:p>
+          <a:p>
+            <a:r>
+              <a:rPr lang="en-GB" dirty="0">
+                <a:solidFill>
+                  <a:srgbClr val="6C7680"/>
+                </a:solidFill>
+                <a:latin typeface="Consolas" panose="020B0609020204030204" pitchFamily="49" charset="0"/>
+              </a:rPr>
+              <a:t>    location </a:t>
+            </a:r>
+            <a:r>
+              <a:rPr lang="en-GB" dirty="0">
+                <a:solidFill>
+                  <a:srgbClr val="ED9366"/>
+                </a:solidFill>
+                <a:latin typeface="Consolas" panose="020B0609020204030204" pitchFamily="49" charset="0"/>
+              </a:rPr>
+              <a:t>=</a:t>
+            </a:r>
+            <a:r>
+              <a:rPr lang="en-GB" dirty="0">
+                <a:solidFill>
+                  <a:srgbClr val="6C7680"/>
+                </a:solidFill>
+                <a:latin typeface="Consolas" panose="020B0609020204030204" pitchFamily="49" charset="0"/>
+              </a:rPr>
+              <a:t> </a:t>
+            </a:r>
+            <a:r>
+              <a:rPr lang="en-GB" dirty="0">
+                <a:solidFill>
+                  <a:srgbClr val="86B300"/>
+                </a:solidFill>
+                <a:latin typeface="Consolas" panose="020B0609020204030204" pitchFamily="49" charset="0"/>
+              </a:rPr>
+              <a:t>"UK</a:t>
+            </a:r>
+            <a:r>
+              <a:rPr lang="en-GB" dirty="0">
+                <a:solidFill>
+                  <a:srgbClr val="6C7680"/>
+                </a:solidFill>
+                <a:latin typeface="Consolas" panose="020B0609020204030204" pitchFamily="49" charset="0"/>
+              </a:rPr>
+              <a:t> </a:t>
+            </a:r>
+            <a:r>
+              <a:rPr lang="en-GB" dirty="0">
+                <a:solidFill>
+                  <a:srgbClr val="86B300"/>
+                </a:solidFill>
+                <a:latin typeface="Consolas" panose="020B0609020204030204" pitchFamily="49" charset="0"/>
+              </a:rPr>
+              <a:t>South"</a:t>
+            </a:r>
+            <a:endParaRPr lang="en-GB" dirty="0">
+              <a:solidFill>
+                <a:srgbClr val="6C7680"/>
+              </a:solidFill>
+              <a:latin typeface="Consolas" panose="020B0609020204030204" pitchFamily="49" charset="0"/>
+            </a:endParaRPr>
+          </a:p>
+          <a:p>
+            <a:r>
+              <a:rPr lang="en-GB" dirty="0">
+                <a:solidFill>
+                  <a:srgbClr val="55B4D4"/>
+                </a:solidFill>
+                <a:latin typeface="Consolas" panose="020B0609020204030204" pitchFamily="49" charset="0"/>
+              </a:rPr>
+              <a:t>}</a:t>
+            </a:r>
+            <a:endParaRPr lang="en-GB" b="0" dirty="0">
+              <a:solidFill>
+                <a:srgbClr val="6C7680"/>
+              </a:solidFill>
+              <a:effectLst/>
+              <a:latin typeface="Consolas" panose="020B0609020204030204" pitchFamily="49" charset="0"/>
+            </a:endParaRPr>
+          </a:p>
+        </p:txBody>
+      </p:sp>
+      <p:sp>
+        <p:nvSpPr>
+          <p:cNvPr id="11" name="Rectangle 10">
+            <a:extLst>
+              <a:ext uri="{FF2B5EF4-FFF2-40B4-BE49-F238E27FC236}">
+                <a16:creationId xmlns:a16="http://schemas.microsoft.com/office/drawing/2014/main" id="{7AC57E45-993F-43C4-B7B8-B9A7ABC10849}"/>
+              </a:ext>
+            </a:extLst>
+          </p:cNvPr>
+          <p:cNvSpPr/>
+          <p:nvPr/>
+        </p:nvSpPr>
+        <p:spPr>
+          <a:xfrm>
+            <a:off x="588261" y="5921089"/>
+            <a:ext cx="10648944" cy="363946"/>
+          </a:xfrm>
+          <a:prstGeom prst="rect">
+            <a:avLst/>
+          </a:prstGeom>
+        </p:spPr>
+        <p:txBody>
+          <a:bodyPr wrap="square">
+            <a:spAutoFit/>
+          </a:bodyPr>
+          <a:lstStyle/>
+          <a:p>
+            <a:r>
+              <a:rPr lang="en-GB" dirty="0">
+                <a:solidFill>
+                  <a:srgbClr val="6C7680"/>
+                </a:solidFill>
+                <a:latin typeface="Consolas" panose="020B0609020204030204" pitchFamily="49" charset="0"/>
+              </a:rPr>
+              <a:t>terraform plan -generate-config-out=generated_resources.tf</a:t>
+            </a:r>
+          </a:p>
+        </p:txBody>
+      </p:sp>
+    </p:spTree>
+    <p:extLst>
+      <p:ext uri="{BB962C8B-B14F-4D97-AF65-F5344CB8AC3E}">
+        <p14:creationId xmlns:p14="http://schemas.microsoft.com/office/powerpoint/2010/main" val="3014702166"/>
+      </p:ext>
+    </p:extLst>
+  </p:cSld>
+  <p:clrMapOvr>
+    <a:masterClrMapping/>
+  </p:clrMapOvr>
+  <p:transition>
+    <p:fade/>
+  </p:transition>
+  <p:timing>
+    <p:tnLst>
+      <p:par>
+        <p:cTn id="1" dur="indefinite" restart="never" nodeType="tmRoot">
+          <p:childTnLst>
+            <p:seq concurrent="1" nextAc="seek">
+              <p:cTn id="2" dur="indefinite" nodeType="mainSeq">
+                <p:childTnLst>
+                  <p:par>
+                    <p:cTn id="3" fill="hold">
+                      <p:stCondLst>
+                        <p:cond delay="indefinite"/>
+                      </p:stCondLst>
+                      <p:childTnLst>
+                        <p:par>
+                          <p:cTn id="4" fill="hold">
+                            <p:stCondLst>
+                              <p:cond delay="0"/>
+                            </p:stCondLst>
+                            <p:childTnLst>
+                              <p:par>
+                                <p:cTn id="5" presetID="22" presetClass="entr" presetSubtype="8" fill="hold" grpId="0" nodeType="clickEffect">
+                                  <p:stCondLst>
+                                    <p:cond delay="0"/>
+                                  </p:stCondLst>
+                                  <p:childTnLst>
+                                    <p:set>
+                                      <p:cBhvr>
+                                        <p:cTn id="6" dur="1" fill="hold">
+                                          <p:stCondLst>
+                                            <p:cond delay="0"/>
+                                          </p:stCondLst>
+                                        </p:cTn>
+                                        <p:tgtEl>
+                                          <p:spTgt spid="8"/>
+                                        </p:tgtEl>
+                                        <p:attrNameLst>
+                                          <p:attrName>style.visibility</p:attrName>
+                                        </p:attrNameLst>
+                                      </p:cBhvr>
+                                      <p:to>
+                                        <p:strVal val="visible"/>
+                                      </p:to>
+                                    </p:set>
+                                    <p:animEffect transition="in" filter="wipe(left)">
+                                      <p:cBhvr>
+                                        <p:cTn id="7" dur="500"/>
+                                        <p:tgtEl>
+                                          <p:spTgt spid="8"/>
+                                        </p:tgtEl>
+                                      </p:cBhvr>
+                                    </p:animEffect>
+                                  </p:childTnLst>
+                                </p:cTn>
+                              </p:par>
+                            </p:childTnLst>
+                          </p:cTn>
+                        </p:par>
+                      </p:childTnLst>
+                    </p:cTn>
+                  </p:par>
+                  <p:par>
+                    <p:cTn id="8" fill="hold">
+                      <p:stCondLst>
+                        <p:cond delay="indefinite"/>
+                      </p:stCondLst>
+                      <p:childTnLst>
+                        <p:par>
+                          <p:cTn id="9" fill="hold">
+                            <p:stCondLst>
+                              <p:cond delay="0"/>
+                            </p:stCondLst>
+                            <p:childTnLst>
+                              <p:par>
+                                <p:cTn id="10" presetID="22" presetClass="entr" presetSubtype="8" fill="hold" grpId="0" nodeType="clickEffect">
+                                  <p:stCondLst>
+                                    <p:cond delay="0"/>
+                                  </p:stCondLst>
+                                  <p:childTnLst>
+                                    <p:set>
+                                      <p:cBhvr>
+                                        <p:cTn id="11" dur="1" fill="hold">
+                                          <p:stCondLst>
+                                            <p:cond delay="0"/>
+                                          </p:stCondLst>
+                                        </p:cTn>
+                                        <p:tgtEl>
+                                          <p:spTgt spid="11"/>
+                                        </p:tgtEl>
+                                        <p:attrNameLst>
+                                          <p:attrName>style.visibility</p:attrName>
+                                        </p:attrNameLst>
+                                      </p:cBhvr>
+                                      <p:to>
+                                        <p:strVal val="visible"/>
+                                      </p:to>
+                                    </p:set>
+                                    <p:animEffect transition="in" filter="wipe(left)">
+                                      <p:cBhvr>
+                                        <p:cTn id="12" dur="500"/>
+                                        <p:tgtEl>
+                                          <p:spTgt spid="11"/>
+                                        </p:tgtEl>
+                                      </p:cBhvr>
+                                    </p:animEffect>
+                                  </p:childTnLst>
+                                </p:cTn>
+                              </p:par>
+                            </p:childTnLst>
+                          </p:cTn>
+                        </p:par>
+                      </p:childTnLst>
+                    </p:cTn>
+                  </p:par>
+                </p:childTnLst>
+              </p:cTn>
+              <p:prevCondLst>
+                <p:cond evt="onPrev" delay="0">
+                  <p:tgtEl>
+                    <p:sldTgt/>
+                  </p:tgtEl>
+                </p:cond>
+              </p:prevCondLst>
+              <p:nextCondLst>
+                <p:cond evt="onNext" delay="0">
+                  <p:tgtEl>
+                    <p:sldTgt/>
+                  </p:tgtEl>
+                </p:cond>
+              </p:nextCondLst>
+            </p:seq>
+          </p:childTnLst>
+        </p:cTn>
+      </p:par>
+    </p:tnLst>
+    <p:bldLst>
+      <p:bldP spid="8" grpId="0"/>
+      <p:bldP spid="11" grpId="0"/>
+    </p:bldLst>
+  </p:timing>
+</p:sld>
+</file>
+
+<file path=ppt/slides/slide14.xml><?xml version="1.0" encoding="utf-8"?>
+<p:sld xmlns:a="http://schemas.openxmlformats.org/drawingml/2006/main" xmlns:r="http://schemas.openxmlformats.org/officeDocument/2006/relationships" xmlns:p="http://schemas.openxmlformats.org/presentationml/2006/main">
+  <p:cSld>
+    <p:spTree>
+      <p:nvGrpSpPr>
+        <p:cNvPr id="1" name=""/>
+        <p:cNvGrpSpPr/>
+        <p:nvPr/>
+      </p:nvGrpSpPr>
+      <p:grpSpPr>
+        <a:xfrm>
+          <a:off x="0" y="0"/>
+          <a:ext cx="0" cy="0"/>
+          <a:chOff x="0" y="0"/>
+          <a:chExt cx="0" cy="0"/>
+        </a:xfrm>
+      </p:grpSpPr>
+      <p:sp>
+        <p:nvSpPr>
+          <p:cNvPr id="2" name="Title 1">
+            <a:extLst>
+              <a:ext uri="{FF2B5EF4-FFF2-40B4-BE49-F238E27FC236}">
+                <a16:creationId xmlns:a16="http://schemas.microsoft.com/office/drawing/2014/main" id="{CE406BF2-B6F9-4DD4-A1FE-87B6665308AF}"/>
+              </a:ext>
+            </a:extLst>
+          </p:cNvPr>
+          <p:cNvSpPr>
+            <a:spLocks noGrp="1"/>
+          </p:cNvSpPr>
+          <p:nvPr>
+            <p:ph type="title"/>
+          </p:nvPr>
+        </p:nvSpPr>
         <p:spPr/>
         <p:txBody>
           <a:bodyPr/>
@@ -31727,7 +32637,7 @@
 </p:sld>
 </file>
 
-<file path=ppt/slides/slide14.xml><?xml version="1.0" encoding="utf-8"?>
+<file path=ppt/slides/slide15.xml><?xml version="1.0" encoding="utf-8"?>
 <p:sld xmlns:a="http://schemas.openxmlformats.org/drawingml/2006/main" xmlns:r="http://schemas.openxmlformats.org/officeDocument/2006/relationships" xmlns:p="http://schemas.openxmlformats.org/presentationml/2006/main">
   <p:cSld>
     <p:spTree>
@@ -31825,7 +32735,7 @@
 </p:sld>
 </file>
 
-<file path=ppt/slides/slide15.xml><?xml version="1.0" encoding="utf-8"?>
+<file path=ppt/slides/slide16.xml><?xml version="1.0" encoding="utf-8"?>
 <p:sld xmlns:a="http://schemas.openxmlformats.org/drawingml/2006/main" xmlns:r="http://schemas.openxmlformats.org/officeDocument/2006/relationships" xmlns:p="http://schemas.openxmlformats.org/presentationml/2006/main">
   <p:cSld>
     <p:spTree>
@@ -31900,7 +32810,7 @@
 </p:sld>
 </file>
 
-<file path=ppt/slides/slide16.xml><?xml version="1.0" encoding="utf-8"?>
+<file path=ppt/slides/slide17.xml><?xml version="1.0" encoding="utf-8"?>
 <p:sld xmlns:a="http://schemas.openxmlformats.org/drawingml/2006/main" xmlns:r="http://schemas.openxmlformats.org/officeDocument/2006/relationships" xmlns:p="http://schemas.openxmlformats.org/presentationml/2006/main">
   <p:cSld>
     <p:spTree>
@@ -32308,7 +33218,7 @@
 </p:sld>
 </file>
 
-<file path=ppt/slides/slide17.xml><?xml version="1.0" encoding="utf-8"?>
+<file path=ppt/slides/slide18.xml><?xml version="1.0" encoding="utf-8"?>
 <p:sld xmlns:a="http://schemas.openxmlformats.org/drawingml/2006/main" xmlns:r="http://schemas.openxmlformats.org/officeDocument/2006/relationships" xmlns:p="http://schemas.openxmlformats.org/presentationml/2006/main">
   <p:cSld>
     <p:spTree>
@@ -32488,7 +33398,7 @@
 </p:sld>
 </file>
 
-<file path=ppt/slides/slide18.xml><?xml version="1.0" encoding="utf-8"?>
+<file path=ppt/slides/slide19.xml><?xml version="1.0" encoding="utf-8"?>
 <p:sld xmlns:a="http://schemas.openxmlformats.org/drawingml/2006/main" xmlns:r="http://schemas.openxmlformats.org/officeDocument/2006/relationships" xmlns:p="http://schemas.openxmlformats.org/presentationml/2006/main">
   <p:cSld>
     <p:spTree>
@@ -36560,7 +37470,40 @@
 </p:sld>
 </file>
 
-<file path=ppt/slides/slide19.xml><?xml version="1.0" encoding="utf-8"?>
+<file path=ppt/slides/slide2.xml><?xml version="1.0" encoding="utf-8"?>
+<p:sld xmlns:a="http://schemas.openxmlformats.org/drawingml/2006/main" xmlns:r="http://schemas.openxmlformats.org/officeDocument/2006/relationships" xmlns:p="http://schemas.openxmlformats.org/presentationml/2006/main">
+  <p:cSld>
+    <p:spTree>
+      <p:nvGrpSpPr>
+        <p:cNvPr id="1" name=""/>
+        <p:cNvGrpSpPr/>
+        <p:nvPr/>
+      </p:nvGrpSpPr>
+      <p:grpSpPr>
+        <a:xfrm>
+          <a:off x="0" y="0"/>
+          <a:ext cx="0" cy="0"/>
+          <a:chOff x="0" y="0"/>
+          <a:chExt cx="0" cy="0"/>
+        </a:xfrm>
+      </p:grpSpPr>
+    </p:spTree>
+    <p:extLst>
+      <p:ext uri="{BB962C8B-B14F-4D97-AF65-F5344CB8AC3E}">
+        <p14:creationId xmlns:p14="http://schemas.microsoft.com/office/powerpoint/2010/main" val="1076368552"/>
+      </p:ext>
+    </p:extLst>
+  </p:cSld>
+  <p:clrMapOvr>
+    <a:masterClrMapping/>
+  </p:clrMapOvr>
+  <p:transition>
+    <p:fade/>
+  </p:transition>
+</p:sld>
+</file>
+
+<file path=ppt/slides/slide20.xml><?xml version="1.0" encoding="utf-8"?>
 <p:sld xmlns:a="http://schemas.openxmlformats.org/drawingml/2006/main" xmlns:r="http://schemas.openxmlformats.org/officeDocument/2006/relationships" xmlns:p="http://schemas.openxmlformats.org/presentationml/2006/main">
   <p:cSld>
     <p:spTree>
@@ -36663,40 +37606,7 @@
 </p:sld>
 </file>
 
-<file path=ppt/slides/slide2.xml><?xml version="1.0" encoding="utf-8"?>
-<p:sld xmlns:a="http://schemas.openxmlformats.org/drawingml/2006/main" xmlns:r="http://schemas.openxmlformats.org/officeDocument/2006/relationships" xmlns:p="http://schemas.openxmlformats.org/presentationml/2006/main">
-  <p:cSld>
-    <p:spTree>
-      <p:nvGrpSpPr>
-        <p:cNvPr id="1" name=""/>
-        <p:cNvGrpSpPr/>
-        <p:nvPr/>
-      </p:nvGrpSpPr>
-      <p:grpSpPr>
-        <a:xfrm>
-          <a:off x="0" y="0"/>
-          <a:ext cx="0" cy="0"/>
-          <a:chOff x="0" y="0"/>
-          <a:chExt cx="0" cy="0"/>
-        </a:xfrm>
-      </p:grpSpPr>
-    </p:spTree>
-    <p:extLst>
-      <p:ext uri="{BB962C8B-B14F-4D97-AF65-F5344CB8AC3E}">
-        <p14:creationId xmlns:p14="http://schemas.microsoft.com/office/powerpoint/2010/main" val="1076368552"/>
-      </p:ext>
-    </p:extLst>
-  </p:cSld>
-  <p:clrMapOvr>
-    <a:masterClrMapping/>
-  </p:clrMapOvr>
-  <p:transition>
-    <p:fade/>
-  </p:transition>
-</p:sld>
-</file>
-
-<file path=ppt/slides/slide20.xml><?xml version="1.0" encoding="utf-8"?>
+<file path=ppt/slides/slide21.xml><?xml version="1.0" encoding="utf-8"?>
 <p:sld xmlns:a="http://schemas.openxmlformats.org/drawingml/2006/main" xmlns:r="http://schemas.openxmlformats.org/officeDocument/2006/relationships" xmlns:p="http://schemas.openxmlformats.org/presentationml/2006/main">
   <p:cSld>
     <p:spTree>
@@ -36791,7 +37701,7 @@
 </p:sld>
 </file>
 
-<file path=ppt/slides/slide21.xml><?xml version="1.0" encoding="utf-8"?>
+<file path=ppt/slides/slide22.xml><?xml version="1.0" encoding="utf-8"?>
 <p:sld xmlns:a="http://schemas.openxmlformats.org/drawingml/2006/main" xmlns:r="http://schemas.openxmlformats.org/officeDocument/2006/relationships" xmlns:p="http://schemas.openxmlformats.org/presentationml/2006/main">
   <p:cSld>
     <p:spTree>
@@ -38895,7 +39805,15 @@
           <a:p>
             <a:r>
               <a:rPr lang="en-GB" dirty="0"/>
-              <a:t>Count meta argument (keeping it DRY)</a:t>
+              <a:t>count and </a:t>
+            </a:r>
+            <a:r>
+              <a:rPr lang="en-GB" dirty="0" err="1"/>
+              <a:t>for_each</a:t>
+            </a:r>
+            <a:r>
+              <a:rPr lang="en-GB" dirty="0"/>
+              <a:t> meta arguments (keeping it DRY)</a:t>
             </a:r>
           </a:p>
         </p:txBody>
@@ -38914,7 +39832,7 @@
         </p:nvSpPr>
         <p:spPr>
           <a:xfrm>
-            <a:off x="3048000" y="2567994"/>
+            <a:off x="2865120" y="1363138"/>
             <a:ext cx="6954982" cy="1722010"/>
           </a:xfrm>
           <a:prstGeom prst="rect">
@@ -39008,7 +39926,7 @@
                 </a:solidFill>
                 <a:latin typeface="Consolas" panose="020B0609020204030204" pitchFamily="49" charset="0"/>
               </a:rPr>
-              <a:t>    count </a:t>
+              <a:t>    count    </a:t>
             </a:r>
             <a:r>
               <a:rPr lang="en-GB" dirty="0">
@@ -39055,7 +39973,7 @@
                 </a:solidFill>
                 <a:latin typeface="Consolas" panose="020B0609020204030204" pitchFamily="49" charset="0"/>
               </a:rPr>
-              <a:t>    name </a:t>
+              <a:t>    name     </a:t>
             </a:r>
             <a:r>
               <a:rPr lang="en-GB" dirty="0">
@@ -39113,7 +40031,7 @@
                 </a:solidFill>
                 <a:latin typeface="Consolas" panose="020B0609020204030204" pitchFamily="49" charset="0"/>
               </a:rPr>
-              <a:t>    tags </a:t>
+              <a:t>    tags     </a:t>
             </a:r>
             <a:r>
               <a:rPr lang="en-GB" dirty="0">
@@ -39167,7 +40085,346 @@
         </p:nvSpPr>
         <p:spPr bwMode="auto">
           <a:xfrm>
-            <a:off x="7529946" y="2890981"/>
+            <a:off x="7347066" y="1686125"/>
+            <a:ext cx="3574473" cy="307777"/>
+          </a:xfrm>
+          <a:prstGeom prst="leftArrow">
+            <a:avLst/>
+          </a:prstGeom>
+          <a:solidFill>
+            <a:schemeClr val="accent1"/>
+          </a:solidFill>
+          <a:ln>
+            <a:noFill/>
+            <a:headEnd type="none" w="med" len="med"/>
+            <a:tailEnd type="none" w="med" len="med"/>
+          </a:ln>
+          <a:effectLst/>
+        </p:spPr>
+        <p:style>
+          <a:lnRef idx="1">
+            <a:schemeClr val="accent2"/>
+          </a:lnRef>
+          <a:fillRef idx="3">
+            <a:schemeClr val="accent2"/>
+          </a:fillRef>
+          <a:effectRef idx="2">
+            <a:schemeClr val="accent2"/>
+          </a:effectRef>
+          <a:fontRef idx="minor">
+            <a:schemeClr val="lt1"/>
+          </a:fontRef>
+        </p:style>
+        <p:txBody>
+          <a:bodyPr rot="0" spcFirstLastPara="0" vertOverflow="overflow" horzOverflow="overflow" vert="horz" wrap="square" lIns="182880" tIns="146304" rIns="182880" bIns="146304" numCol="1" spcCol="0" rtlCol="0" fromWordArt="0" anchor="t" anchorCtr="0" forceAA="0" compatLnSpc="1">
+            <a:prstTxWarp prst="textNoShape">
+              <a:avLst/>
+            </a:prstTxWarp>
+            <a:noAutofit/>
+          </a:bodyPr>
+          <a:lstStyle/>
+          <a:p>
+            <a:pPr algn="l" defTabSz="932472" fontAlgn="base">
+              <a:spcBef>
+                <a:spcPct val="0"/>
+              </a:spcBef>
+              <a:spcAft>
+                <a:spcPct val="0"/>
+              </a:spcAft>
+            </a:pPr>
+            <a:endParaRPr lang="en-GB" sz="2000" dirty="0" err="1">
+              <a:solidFill>
+                <a:srgbClr val="FFFFFF"/>
+              </a:solidFill>
+              <a:ea typeface="Segoe UI" pitchFamily="34" charset="0"/>
+              <a:cs typeface="Segoe UI" pitchFamily="34" charset="0"/>
+            </a:endParaRPr>
+          </a:p>
+        </p:txBody>
+      </p:sp>
+      <p:sp>
+        <p:nvSpPr>
+          <p:cNvPr id="2" name="Rectangle 1">
+            <a:extLst>
+              <a:ext uri="{FF2B5EF4-FFF2-40B4-BE49-F238E27FC236}">
+                <a16:creationId xmlns:a16="http://schemas.microsoft.com/office/drawing/2014/main" id="{C019CBC5-F672-3739-D6BA-779AC314B696}"/>
+              </a:ext>
+            </a:extLst>
+          </p:cNvPr>
+          <p:cNvSpPr/>
+          <p:nvPr/>
+        </p:nvSpPr>
+        <p:spPr>
+          <a:xfrm>
+            <a:off x="2865120" y="3632587"/>
+            <a:ext cx="6954982" cy="1722010"/>
+          </a:xfrm>
+          <a:prstGeom prst="rect">
+            <a:avLst/>
+          </a:prstGeom>
+        </p:spPr>
+        <p:txBody>
+          <a:bodyPr wrap="square">
+            <a:spAutoFit/>
+          </a:bodyPr>
+          <a:lstStyle/>
+          <a:p>
+            <a:r>
+              <a:rPr lang="en-GB" dirty="0">
+                <a:solidFill>
+                  <a:srgbClr val="FA8D3E"/>
+                </a:solidFill>
+                <a:latin typeface="Consolas" panose="020B0609020204030204" pitchFamily="49" charset="0"/>
+              </a:rPr>
+              <a:t>resource</a:t>
+            </a:r>
+            <a:r>
+              <a:rPr lang="en-GB" dirty="0">
+                <a:solidFill>
+                  <a:srgbClr val="6C7680"/>
+                </a:solidFill>
+                <a:latin typeface="Consolas" panose="020B0609020204030204" pitchFamily="49" charset="0"/>
+              </a:rPr>
+              <a:t> </a:t>
+            </a:r>
+            <a:r>
+              <a:rPr lang="en-GB" dirty="0">
+                <a:solidFill>
+                  <a:srgbClr val="86B300"/>
+                </a:solidFill>
+                <a:latin typeface="Consolas" panose="020B0609020204030204" pitchFamily="49" charset="0"/>
+              </a:rPr>
+              <a:t>"azurerm_resource_group"</a:t>
+            </a:r>
+            <a:r>
+              <a:rPr lang="en-GB" dirty="0">
+                <a:solidFill>
+                  <a:srgbClr val="6C7680"/>
+                </a:solidFill>
+                <a:latin typeface="Consolas" panose="020B0609020204030204" pitchFamily="49" charset="0"/>
+              </a:rPr>
+              <a:t> </a:t>
+            </a:r>
+            <a:r>
+              <a:rPr lang="en-GB" dirty="0">
+                <a:solidFill>
+                  <a:srgbClr val="86B300"/>
+                </a:solidFill>
+                <a:latin typeface="Consolas" panose="020B0609020204030204" pitchFamily="49" charset="0"/>
+              </a:rPr>
+              <a:t>"rg"</a:t>
+            </a:r>
+            <a:r>
+              <a:rPr lang="en-GB" dirty="0">
+                <a:solidFill>
+                  <a:srgbClr val="6C7680"/>
+                </a:solidFill>
+                <a:latin typeface="Consolas" panose="020B0609020204030204" pitchFamily="49" charset="0"/>
+              </a:rPr>
+              <a:t> </a:t>
+            </a:r>
+            <a:r>
+              <a:rPr lang="en-GB" dirty="0">
+                <a:solidFill>
+                  <a:srgbClr val="55B4D4"/>
+                </a:solidFill>
+                <a:latin typeface="Consolas" panose="020B0609020204030204" pitchFamily="49" charset="0"/>
+              </a:rPr>
+              <a:t>{</a:t>
+            </a:r>
+            <a:r>
+              <a:rPr lang="en-GB" dirty="0">
+                <a:solidFill>
+                  <a:srgbClr val="6C7680"/>
+                </a:solidFill>
+                <a:latin typeface="Consolas" panose="020B0609020204030204" pitchFamily="49" charset="0"/>
+              </a:rPr>
+              <a:t>  </a:t>
+            </a:r>
+          </a:p>
+          <a:p>
+            <a:r>
+              <a:rPr lang="en-GB" dirty="0">
+                <a:solidFill>
+                  <a:srgbClr val="6C7680"/>
+                </a:solidFill>
+                <a:latin typeface="Consolas" panose="020B0609020204030204" pitchFamily="49" charset="0"/>
+              </a:rPr>
+              <a:t>    </a:t>
+            </a:r>
+            <a:r>
+              <a:rPr lang="en-GB" dirty="0" err="1">
+                <a:solidFill>
+                  <a:srgbClr val="6C7680"/>
+                </a:solidFill>
+                <a:latin typeface="Consolas" panose="020B0609020204030204" pitchFamily="49" charset="0"/>
+              </a:rPr>
+              <a:t>for_each</a:t>
+            </a:r>
+            <a:r>
+              <a:rPr lang="en-GB" dirty="0">
+                <a:solidFill>
+                  <a:srgbClr val="6C7680"/>
+                </a:solidFill>
+                <a:latin typeface="Consolas" panose="020B0609020204030204" pitchFamily="49" charset="0"/>
+              </a:rPr>
+              <a:t> </a:t>
+            </a:r>
+            <a:r>
+              <a:rPr lang="en-GB" dirty="0">
+                <a:solidFill>
+                  <a:srgbClr val="ED9366"/>
+                </a:solidFill>
+                <a:latin typeface="Consolas" panose="020B0609020204030204" pitchFamily="49" charset="0"/>
+              </a:rPr>
+              <a:t>=</a:t>
+            </a:r>
+            <a:r>
+              <a:rPr lang="en-GB" dirty="0">
+                <a:solidFill>
+                  <a:srgbClr val="6C7680"/>
+                </a:solidFill>
+                <a:latin typeface="Consolas" panose="020B0609020204030204" pitchFamily="49" charset="0"/>
+              </a:rPr>
+              <a:t> </a:t>
+            </a:r>
+            <a:r>
+              <a:rPr lang="en-GB" dirty="0" err="1">
+                <a:solidFill>
+                  <a:srgbClr val="6C7680"/>
+                </a:solidFill>
+                <a:latin typeface="Consolas" panose="020B0609020204030204" pitchFamily="49" charset="0"/>
+              </a:rPr>
+              <a:t>var.resource_groups</a:t>
+            </a:r>
+            <a:endParaRPr lang="en-GB" dirty="0">
+              <a:solidFill>
+                <a:srgbClr val="6C7680"/>
+              </a:solidFill>
+              <a:latin typeface="Consolas" panose="020B0609020204030204" pitchFamily="49" charset="0"/>
+            </a:endParaRPr>
+          </a:p>
+          <a:p>
+            <a:r>
+              <a:rPr lang="en-GB" dirty="0">
+                <a:solidFill>
+                  <a:srgbClr val="6C7680"/>
+                </a:solidFill>
+                <a:latin typeface="Consolas" panose="020B0609020204030204" pitchFamily="49" charset="0"/>
+              </a:rPr>
+              <a:t>    name     </a:t>
+            </a:r>
+            <a:r>
+              <a:rPr lang="en-GB" dirty="0">
+                <a:solidFill>
+                  <a:srgbClr val="ED9366"/>
+                </a:solidFill>
+                <a:latin typeface="Consolas" panose="020B0609020204030204" pitchFamily="49" charset="0"/>
+              </a:rPr>
+              <a:t>=</a:t>
+            </a:r>
+            <a:r>
+              <a:rPr lang="en-GB" dirty="0">
+                <a:solidFill>
+                  <a:srgbClr val="6C7680"/>
+                </a:solidFill>
+                <a:latin typeface="Consolas" panose="020B0609020204030204" pitchFamily="49" charset="0"/>
+              </a:rPr>
+              <a:t> each.value.name</a:t>
+            </a:r>
+          </a:p>
+          <a:p>
+            <a:r>
+              <a:rPr lang="en-GB" dirty="0">
+                <a:solidFill>
+                  <a:srgbClr val="6C7680"/>
+                </a:solidFill>
+                <a:latin typeface="Consolas" panose="020B0609020204030204" pitchFamily="49" charset="0"/>
+              </a:rPr>
+              <a:t>    location </a:t>
+            </a:r>
+            <a:r>
+              <a:rPr lang="en-GB" dirty="0">
+                <a:solidFill>
+                  <a:srgbClr val="ED9366"/>
+                </a:solidFill>
+                <a:latin typeface="Consolas" panose="020B0609020204030204" pitchFamily="49" charset="0"/>
+              </a:rPr>
+              <a:t>=</a:t>
+            </a:r>
+            <a:r>
+              <a:rPr lang="en-GB" dirty="0">
+                <a:solidFill>
+                  <a:srgbClr val="6C7680"/>
+                </a:solidFill>
+                <a:latin typeface="Consolas" panose="020B0609020204030204" pitchFamily="49" charset="0"/>
+              </a:rPr>
+              <a:t> var.region</a:t>
+            </a:r>
+          </a:p>
+          <a:p>
+            <a:r>
+              <a:rPr lang="en-GB" dirty="0">
+                <a:solidFill>
+                  <a:srgbClr val="6C7680"/>
+                </a:solidFill>
+                <a:latin typeface="Consolas" panose="020B0609020204030204" pitchFamily="49" charset="0"/>
+              </a:rPr>
+              <a:t>    tags     </a:t>
+            </a:r>
+            <a:r>
+              <a:rPr lang="en-GB" dirty="0">
+                <a:solidFill>
+                  <a:srgbClr val="ED9366"/>
+                </a:solidFill>
+                <a:latin typeface="Consolas" panose="020B0609020204030204" pitchFamily="49" charset="0"/>
+              </a:rPr>
+              <a:t>=</a:t>
+            </a:r>
+            <a:r>
+              <a:rPr lang="en-GB" dirty="0">
+                <a:solidFill>
+                  <a:srgbClr val="6C7680"/>
+                </a:solidFill>
+                <a:latin typeface="Consolas" panose="020B0609020204030204" pitchFamily="49" charset="0"/>
+              </a:rPr>
+              <a:t> var.tags</a:t>
+            </a:r>
+          </a:p>
+          <a:p>
+            <a:r>
+              <a:rPr lang="en-GB" dirty="0">
+                <a:solidFill>
+                  <a:srgbClr val="55B4D4"/>
+                </a:solidFill>
+                <a:latin typeface="Consolas" panose="020B0609020204030204" pitchFamily="49" charset="0"/>
+              </a:rPr>
+              <a:t>}</a:t>
+            </a:r>
+            <a:endParaRPr lang="en-GB" dirty="0">
+              <a:solidFill>
+                <a:srgbClr val="6C7680"/>
+              </a:solidFill>
+              <a:latin typeface="Consolas" panose="020B0609020204030204" pitchFamily="49" charset="0"/>
+            </a:endParaRPr>
+          </a:p>
+        </p:txBody>
+      </p:sp>
+      <p:sp>
+        <p:nvSpPr>
+          <p:cNvPr id="3" name="Arrow: Left 2">
+            <a:extLst>
+              <a:ext uri="{FF2B5EF4-FFF2-40B4-BE49-F238E27FC236}">
+                <a16:creationId xmlns:a16="http://schemas.microsoft.com/office/drawing/2014/main" id="{7EE2F7BC-C5BF-0F50-16F9-59663CCCFECD}"/>
+              </a:ext>
+            </a:extLst>
+          </p:cNvPr>
+          <p:cNvSpPr/>
+          <p:nvPr/>
+        </p:nvSpPr>
+        <p:spPr bwMode="auto">
+          <a:xfrm>
+            <a:off x="7347066" y="3955574"/>
             <a:ext cx="3574473" cy="307777"/>
           </a:xfrm>
           <a:prstGeom prst="leftArrow">
@@ -39298,6 +40555,59 @@
                       </p:childTnLst>
                     </p:cTn>
                   </p:par>
+                  <p:par>
+                    <p:cTn id="8" fill="hold">
+                      <p:stCondLst>
+                        <p:cond delay="indefinite"/>
+                      </p:stCondLst>
+                      <p:childTnLst>
+                        <p:par>
+                          <p:cTn id="9" fill="hold">
+                            <p:stCondLst>
+                              <p:cond delay="0"/>
+                            </p:stCondLst>
+                            <p:childTnLst>
+                              <p:par>
+                                <p:cTn id="10" presetID="22" presetClass="entr" presetSubtype="2" fill="hold" grpId="0" nodeType="clickEffect">
+                                  <p:stCondLst>
+                                    <p:cond delay="0"/>
+                                  </p:stCondLst>
+                                  <p:childTnLst>
+                                    <p:set>
+                                      <p:cBhvr>
+                                        <p:cTn id="11" dur="1" fill="hold">
+                                          <p:stCondLst>
+                                            <p:cond delay="0"/>
+                                          </p:stCondLst>
+                                        </p:cTn>
+                                        <p:tgtEl>
+                                          <p:spTgt spid="3"/>
+                                        </p:tgtEl>
+                                        <p:attrNameLst>
+                                          <p:attrName>style.visibility</p:attrName>
+                                        </p:attrNameLst>
+                                      </p:cBhvr>
+                                      <p:to>
+                                        <p:strVal val="visible"/>
+                                      </p:to>
+                                    </p:set>
+                                    <p:animEffect transition="in" filter="wipe(right)">
+                                      <p:cBhvr>
+                                        <p:cTn id="12" dur="500"/>
+                                        <p:tgtEl>
+                                          <p:spTgt spid="3"/>
+                                        </p:tgtEl>
+                                      </p:cBhvr>
+                                    </p:animEffect>
+                                  </p:childTnLst>
+                                </p:cTn>
+                              </p:par>
+                            </p:childTnLst>
+                          </p:cTn>
+                        </p:par>
+                      </p:childTnLst>
+                    </p:cTn>
+                  </p:par>
                 </p:childTnLst>
               </p:cTn>
               <p:prevCondLst>
@@ -39321,6 +40631,7 @@
     </p:tnLst>
     <p:bldLst>
       <p:bldP spid="12" grpId="0" animBg="1"/>
+      <p:bldP spid="3" grpId="0" animBg="1"/>
     </p:bldLst>
   </p:timing>
 </p:sld>
@@ -39752,16 +41063,34 @@
                 </a:solidFill>
                 <a:latin typeface="Consolas" panose="020B0609020204030204" pitchFamily="49" charset="0"/>
               </a:rPr>
+              <a:t> value</a:t>
+            </a:r>
+            <a:r>
+              <a:rPr lang="en-GB" i="1" dirty="0">
+                <a:solidFill>
+                  <a:srgbClr val="ABB0B6"/>
+                </a:solidFill>
+                <a:latin typeface="Consolas" panose="020B0609020204030204" pitchFamily="49" charset="0"/>
+              </a:rPr>
               <a:t> </a:t>
             </a:r>
             <a:r>
+              <a:rPr lang="en-GB" dirty="0">
+                <a:solidFill>
+                  <a:srgbClr val="ED9366"/>
+                </a:solidFill>
+                <a:latin typeface="Consolas" panose="020B0609020204030204" pitchFamily="49" charset="0"/>
+              </a:rPr>
+              <a:t>=</a:t>
+            </a:r>
+            <a:r>
               <a:rPr lang="en-GB" i="1" dirty="0">
                 <a:solidFill>
                   <a:srgbClr val="ABB0B6"/>
                 </a:solidFill>
                 <a:latin typeface="Consolas" panose="020B0609020204030204" pitchFamily="49" charset="0"/>
               </a:rPr>
-              <a:t>value = azurerm_resource_group.rgs.*.id</a:t>
+              <a:t> </a:t>
             </a:r>
             <a:r>
               <a:rPr lang="en-GB" dirty="0">
@@ -39770,7 +41099,7 @@
                 </a:solidFill>
                 <a:latin typeface="Consolas" panose="020B0609020204030204" pitchFamily="49" charset="0"/>
               </a:rPr>
-              <a:t>  </a:t>
+              <a:t>azurerm_resource_group.rgs.*.id  </a:t>
             </a:r>
           </a:p>
           <a:p>
@@ -41222,30 +42551,6 @@
 </file>
 
 <file path=customXml/item1.xml><?xml version="1.0" encoding="utf-8"?>
-<p:properties xmlns:p="http://schemas.microsoft.com/office/2006/metadata/properties" xmlns:pc="http://schemas.microsoft.com/office/infopath/2007/PartnerControls" xmlns:xsi="http://www.w3.org/2001/XMLSchema-instance">
-  <documentManagement>
-    <SharedWithUsers xmlns="53207a91-4873-4278-88cd-3a5c1985bff7">
-      <UserInfo>
-        <DisplayName/>
-        <AccountId xsi:nil="true"/>
-        <AccountType/>
-      </UserInfo>
-    </SharedWithUsers>
-    <SharedWithDetails xmlns="53207a91-4873-4278-88cd-3a5c1985bff7" xsi:nil="true"/>
-  </documentManagement>
-</p:properties>
-</file>
-
-<file path=customXml/item2.xml><?xml version="1.0" encoding="utf-8"?>
-<?mso-contentType ?>
-<FormTemplates xmlns="http://schemas.microsoft.com/sharepoint/v3/contenttype/forms">
-  <Display>DocumentLibraryForm</Display>
-  <Edit>DocumentLibraryForm</Edit>
-  <New>DocumentLibraryForm</New>
-</FormTemplates>
-</file>
-
-<file path=customXml/item3.xml><?xml version="1.0" encoding="utf-8"?>
 <ct:contentTypeSchema xmlns:ct="http://schemas.microsoft.com/office/2006/metadata/contentType" xmlns:ma="http://schemas.microsoft.com/office/2006/metadata/properties/metaAttributes" ct:_="" ma:_="" ma:contentTypeName="Document" ma:contentTypeID="0x010100581AC3C96BC25B49BAADFDD2709736A2" ma:contentTypeVersion="13" ma:contentTypeDescription="Create a new document." ma:contentTypeScope="" ma:versionID="46d05e5ad3e10e23d0d91d2c812a342c">
   <xsd:schema xmlns:xsd="http://www.w3.org/2001/XMLSchema" xmlns:xs="http://www.w3.org/2001/XMLSchema" xmlns:p="http://schemas.microsoft.com/office/2006/metadata/properties" xmlns:ns3="61d4b2b7-c11c-4679-a498-c69870ddf3ad" xmlns:ns4="53207a91-4873-4278-88cd-3a5c1985bff7" targetNamespace="http://schemas.microsoft.com/office/2006/metadata/properties" ma:root="true" ma:fieldsID="23414a13395756fa7b20173620af81aa" ns3:_="" ns4:_="">
     <xsd:import namespace="61d4b2b7-c11c-4679-a498-c69870ddf3ad"/>
@@ -41468,25 +42773,31 @@
 </ct:contentTypeSchema>
 </file>
 
-<file path=customXml/itemProps1.xml><?xml version="1.0" encoding="utf-8"?>
-<ds:datastoreItem xmlns:ds="http://schemas.openxmlformats.org/officeDocument/2006/customXml" ds:itemID="{F990F116-B58F-4255-B05B-DA3808E0E5C6}">
-  <ds:schemaRefs>
-    <ds:schemaRef ds:uri="http://schemas.microsoft.com/office/2006/metadata/properties"/>
-    <ds:schemaRef ds:uri="http://schemas.microsoft.com/office/infopath/2007/PartnerControls"/>
-    <ds:schemaRef ds:uri="53207a91-4873-4278-88cd-3a5c1985bff7"/>
-  </ds:schemaRefs>
-</ds:datastoreItem>
+<file path=customXml/item2.xml><?xml version="1.0" encoding="utf-8"?>
+<?mso-contentType ?>
+<FormTemplates xmlns="http://schemas.microsoft.com/sharepoint/v3/contenttype/forms">
+  <Display>DocumentLibraryForm</Display>
+  <Edit>DocumentLibraryForm</Edit>
+  <New>DocumentLibraryForm</New>
+</FormTemplates>
 </file>
 
-<file path=customXml/itemProps2.xml><?xml version="1.0" encoding="utf-8"?>
-<ds:datastoreItem xmlns:ds="http://schemas.openxmlformats.org/officeDocument/2006/customXml" ds:itemID="{758FDAC0-319D-4A54-8D8E-1D42CB1F8004}">
-  <ds:schemaRefs>
-    <ds:schemaRef ds:uri="http://schemas.microsoft.com/sharepoint/v3/contenttype/forms"/>
-  </ds:schemaRefs>
-</ds:datastoreItem>
+<file path=customXml/item3.xml><?xml version="1.0" encoding="utf-8"?>
+<p:properties xmlns:p="http://schemas.microsoft.com/office/2006/metadata/properties" xmlns:pc="http://schemas.microsoft.com/office/infopath/2007/PartnerControls" xmlns:xsi="http://www.w3.org/2001/XMLSchema-instance">
+  <documentManagement>
+    <SharedWithUsers xmlns="53207a91-4873-4278-88cd-3a5c1985bff7">
+      <UserInfo>
+        <DisplayName/>
+        <AccountId xsi:nil="true"/>
+        <AccountType/>
+      </UserInfo>
+    </SharedWithUsers>
+    <SharedWithDetails xmlns="53207a91-4873-4278-88cd-3a5c1985bff7" xsi:nil="true"/>
+  </documentManagement>
+</p:properties>
 </file>
 
-<file path=customXml/itemProps3.xml><?xml version="1.0" encoding="utf-8"?>
+<file path=customXml/itemProps1.xml><?xml version="1.0" encoding="utf-8"?>
 <ds:datastoreItem xmlns:ds="http://schemas.openxmlformats.org/officeDocument/2006/customXml" ds:itemID="{038AEBA6-4909-4FA6-B3B8-894B7F209BA0}">
   <ds:schemaRefs>
     <ds:schemaRef ds:uri="http://schemas.microsoft.com/office/2006/metadata/contentType"/>
@@ -41503,4 +42814,28 @@
     <ds:schemaRef ds:uri="http://schemas.microsoft.com/internal/obd"/>
   </ds:schemaRefs>
 </ds:datastoreItem>
+</file>
+
+<file path=customXml/itemProps2.xml><?xml version="1.0" encoding="utf-8"?>
+<ds:datastoreItem xmlns:ds="http://schemas.openxmlformats.org/officeDocument/2006/customXml" ds:itemID="{758FDAC0-319D-4A54-8D8E-1D42CB1F8004}">
+  <ds:schemaRefs>
+    <ds:schemaRef ds:uri="http://schemas.microsoft.com/sharepoint/v3/contenttype/forms"/>
+  </ds:schemaRefs>
+</ds:datastoreItem>
+</file>
+
+<file path=customXml/itemProps3.xml><?xml version="1.0" encoding="utf-8"?>
+<ds:datastoreItem xmlns:ds="http://schemas.openxmlformats.org/officeDocument/2006/customXml" ds:itemID="{F990F116-B58F-4255-B05B-DA3808E0E5C6}">
+  <ds:schemaRefs>
+    <ds:schemaRef ds:uri="http://schemas.microsoft.com/office/2006/metadata/properties"/>
+    <ds:schemaRef ds:uri="http://schemas.microsoft.com/office/infopath/2007/PartnerControls"/>
+    <ds:schemaRef ds:uri="53207a91-4873-4278-88cd-3a5c1985bff7"/>
+  </ds:schemaRefs>
+</ds:datastoreItem>
+</file>
+
+<file path=docMetadata/LabelInfo.xml><?xml version="1.0" encoding="utf-8"?>
+<clbl:labelList xmlns:clbl="http://schemas.microsoft.com/office/2020/mipLabelMetadata">
+  <clbl:label id="{f42aa342-8706-4288-bd11-ebb85995028c}" enabled="1" method="Standard" siteId="{72f988bf-86f1-41af-91ab-2d7cd011db47}" contentBits="0" removed="0"/>
+</clbl:labelList>
 </file>
--- a/PPTs/03_expressions_and_functions.pptx
+++ b/PPTs/03_expressions_and_functions.pptx
@@ -4476,7 +4476,7 @@
 <dgm:dataModel xmlns:dgm="http://schemas.openxmlformats.org/drawingml/2006/diagram" xmlns:a="http://schemas.openxmlformats.org/drawingml/2006/main">
   <dgm:ptLst>
     <dgm:pt modelId="{FAECCF99-B86C-4EB0-A3CC-0887A05C284A}" type="doc">
-      <dgm:prSet loTypeId="urn:microsoft.com/office/officeart/2005/8/layout/vList2" loCatId="list" qsTypeId="urn:microsoft.com/office/officeart/2005/8/quickstyle/simple1" qsCatId="simple" csTypeId="urn:microsoft.com/office/officeart/2005/8/colors/accent1_2" csCatId="accent1"/>
+      <dgm:prSet loTypeId="urn:microsoft.com/office/officeart/2005/8/layout/vList2" loCatId="list" qsTypeId="urn:microsoft.com/office/officeart/2005/8/quickstyle/simple1" qsCatId="simple" csTypeId="urn:microsoft.com/office/officeart/2005/8/colors/accent1_2" csCatId="accent1" phldr="1"/>
       <dgm:spPr/>
       <dgm:t>
         <a:bodyPr/>
@@ -4487,17 +4487,17 @@
       </dgm:t>
     </dgm:pt>
     <dgm:pt modelId="{6AB04B9A-0312-4279-9EF0-B808420018C5}">
-      <dgm:prSet/>
+      <dgm:prSet custT="1"/>
       <dgm:spPr/>
       <dgm:t>
         <a:bodyPr/>
         <a:lstStyle/>
         <a:p>
           <a:r>
-            <a:rPr lang="en-GB" b="0" baseline="0"/>
-            <a:t>list(&lt;TYPE&gt;)</a:t>
+            <a:rPr lang="en-GB" sz="1400" b="0" baseline="0" dirty="0"/>
+            <a:t>list(&lt;TYPE&gt;) – Ordered List of Values</a:t>
           </a:r>
-          <a:endParaRPr lang="en-GB"/>
+          <a:endParaRPr lang="en-GB" sz="1400" dirty="0"/>
         </a:p>
       </dgm:t>
     </dgm:pt>
@@ -4508,7 +4508,7 @@
         <a:bodyPr/>
         <a:lstStyle/>
         <a:p>
-          <a:endParaRPr lang="en-GB"/>
+          <a:endParaRPr lang="en-GB" sz="1400"/>
         </a:p>
       </dgm:t>
     </dgm:pt>
@@ -4519,22 +4519,22 @@
         <a:bodyPr/>
         <a:lstStyle/>
         <a:p>
-          <a:endParaRPr lang="en-GB"/>
+          <a:endParaRPr lang="en-GB" sz="1400"/>
         </a:p>
       </dgm:t>
     </dgm:pt>
     <dgm:pt modelId="{64BA3E3A-3327-4B55-BAD1-DBF99BC6F796}">
-      <dgm:prSet/>
+      <dgm:prSet custT="1"/>
       <dgm:spPr/>
       <dgm:t>
         <a:bodyPr/>
         <a:lstStyle/>
         <a:p>
           <a:r>
-            <a:rPr lang="en-GB" b="0" baseline="0"/>
-            <a:t>set(&lt;TYPE&gt;)</a:t>
+            <a:rPr lang="en-GB" sz="1400" b="0" baseline="0" dirty="0"/>
+            <a:t>set(&lt;TYPE&gt;) – Deduplicated List of Values</a:t>
           </a:r>
-          <a:endParaRPr lang="en-GB"/>
+          <a:endParaRPr lang="en-GB" sz="1400" dirty="0"/>
         </a:p>
       </dgm:t>
     </dgm:pt>
@@ -4545,7 +4545,7 @@
         <a:bodyPr/>
         <a:lstStyle/>
         <a:p>
-          <a:endParaRPr lang="en-GB"/>
+          <a:endParaRPr lang="en-GB" sz="1400"/>
         </a:p>
       </dgm:t>
     </dgm:pt>
@@ -4556,22 +4556,22 @@
         <a:bodyPr/>
         <a:lstStyle/>
         <a:p>
-          <a:endParaRPr lang="en-GB"/>
+          <a:endParaRPr lang="en-GB" sz="1400"/>
         </a:p>
       </dgm:t>
     </dgm:pt>
     <dgm:pt modelId="{7712F2A7-A655-4D7D-8008-DF66D17ECDE2}">
-      <dgm:prSet/>
+      <dgm:prSet custT="1"/>
       <dgm:spPr/>
       <dgm:t>
         <a:bodyPr/>
         <a:lstStyle/>
         <a:p>
           <a:r>
-            <a:rPr lang="en-GB" b="0" baseline="0"/>
-            <a:t>map(&lt;TYPE&gt;)</a:t>
+            <a:rPr lang="en-GB" sz="1400" b="0" baseline="0" dirty="0"/>
+            <a:t>map(&lt;TYPE&gt;) – Keys and Values</a:t>
           </a:r>
-          <a:endParaRPr lang="en-GB"/>
+          <a:endParaRPr lang="en-GB" sz="1400" dirty="0"/>
         </a:p>
       </dgm:t>
     </dgm:pt>
@@ -4582,7 +4582,7 @@
         <a:bodyPr/>
         <a:lstStyle/>
         <a:p>
-          <a:endParaRPr lang="en-GB"/>
+          <a:endParaRPr lang="en-GB" sz="1400"/>
         </a:p>
       </dgm:t>
     </dgm:pt>
@@ -4593,22 +4593,22 @@
         <a:bodyPr/>
         <a:lstStyle/>
         <a:p>
-          <a:endParaRPr lang="en-GB"/>
+          <a:endParaRPr lang="en-GB" sz="1400"/>
         </a:p>
       </dgm:t>
     </dgm:pt>
     <dgm:pt modelId="{DB467004-6269-4D4C-925D-58B170B58066}">
-      <dgm:prSet/>
+      <dgm:prSet custT="1"/>
       <dgm:spPr/>
       <dgm:t>
         <a:bodyPr/>
         <a:lstStyle/>
         <a:p>
           <a:r>
-            <a:rPr lang="en-GB" b="0" baseline="0" dirty="0"/>
-            <a:t>object({&lt;ATTR NAME&gt; = &lt;TYPE&gt;, ... })</a:t>
+            <a:rPr lang="en-GB" sz="1400" b="0" baseline="0" dirty="0"/>
+            <a:t>object({&lt;ATTR NAME&gt; = &lt;TYPE&gt;, ... }) – Schema-Driven Map</a:t>
           </a:r>
-          <a:endParaRPr lang="en-GB" dirty="0"/>
+          <a:endParaRPr lang="en-GB" sz="1400" dirty="0"/>
         </a:p>
       </dgm:t>
     </dgm:pt>
@@ -4619,7 +4619,7 @@
         <a:bodyPr/>
         <a:lstStyle/>
         <a:p>
-          <a:endParaRPr lang="en-GB"/>
+          <a:endParaRPr lang="en-GB" sz="1400"/>
         </a:p>
       </dgm:t>
     </dgm:pt>
@@ -4630,22 +4630,22 @@
         <a:bodyPr/>
         <a:lstStyle/>
         <a:p>
-          <a:endParaRPr lang="en-GB"/>
+          <a:endParaRPr lang="en-GB" sz="1400"/>
         </a:p>
       </dgm:t>
     </dgm:pt>
     <dgm:pt modelId="{F1B94B64-C19A-4435-BD95-0949270DD40F}">
-      <dgm:prSet/>
+      <dgm:prSet custT="1"/>
       <dgm:spPr/>
       <dgm:t>
         <a:bodyPr/>
         <a:lstStyle/>
         <a:p>
           <a:r>
-            <a:rPr lang="en-GB" b="0" baseline="0"/>
-            <a:t>tuple([&lt;TYPE&gt;, ...])</a:t>
+            <a:rPr lang="en-GB" sz="1400" b="0" baseline="0" dirty="0"/>
+            <a:t>tuple([&lt;TYPE&gt;, ...]) – Schema Driven List</a:t>
           </a:r>
-          <a:endParaRPr lang="en-GB"/>
+          <a:endParaRPr lang="en-GB" sz="1400" dirty="0"/>
         </a:p>
       </dgm:t>
     </dgm:pt>
@@ -4656,7 +4656,7 @@
         <a:bodyPr/>
         <a:lstStyle/>
         <a:p>
-          <a:endParaRPr lang="en-GB"/>
+          <a:endParaRPr lang="en-GB" sz="1400"/>
         </a:p>
       </dgm:t>
     </dgm:pt>
@@ -4667,7 +4667,7 @@
         <a:bodyPr/>
         <a:lstStyle/>
         <a:p>
-          <a:endParaRPr lang="en-GB"/>
+          <a:endParaRPr lang="en-GB" sz="1400"/>
         </a:p>
       </dgm:t>
     </dgm:pt>
@@ -4681,7 +4681,7 @@
       <dgm:spPr/>
     </dgm:pt>
     <dgm:pt modelId="{B68B74B9-7AA6-4C86-90D1-528BA8DF5EBE}" type="pres">
-      <dgm:prSet presAssocID="{6AB04B9A-0312-4279-9EF0-B808420018C5}" presName="parentText" presStyleLbl="node1" presStyleIdx="0" presStyleCnt="5">
+      <dgm:prSet presAssocID="{6AB04B9A-0312-4279-9EF0-B808420018C5}" presName="parentText" presStyleLbl="node1" presStyleIdx="0" presStyleCnt="5" custLinFactNeighborX="-315">
         <dgm:presLayoutVars>
           <dgm:chMax val="0"/>
           <dgm:bulletEnabled val="1"/>
@@ -5877,8 +5877,8 @@
       </dsp:nvSpPr>
       <dsp:spPr>
         <a:xfrm>
-          <a:off x="0" y="345938"/>
-          <a:ext cx="3588698" cy="411840"/>
+          <a:off x="0" y="45472"/>
+          <a:ext cx="5797328" cy="393120"/>
         </a:xfrm>
         <a:prstGeom prst="roundRect">
           <a:avLst/>
@@ -5919,12 +5919,12 @@
         </a:fontRef>
       </dsp:style>
       <dsp:txBody>
-        <a:bodyPr spcFirstLastPara="0" vert="horz" wrap="square" lIns="60960" tIns="60960" rIns="60960" bIns="60960" numCol="1" spcCol="1270" anchor="ctr" anchorCtr="0">
+        <a:bodyPr spcFirstLastPara="0" vert="horz" wrap="square" lIns="53340" tIns="53340" rIns="53340" bIns="53340" numCol="1" spcCol="1270" anchor="ctr" anchorCtr="0">
           <a:noAutofit/>
         </a:bodyPr>
         <a:lstStyle/>
         <a:p>
-          <a:pPr marL="0" lvl="0" indent="0" algn="l" defTabSz="711200">
+          <a:pPr marL="0" lvl="0" indent="0" algn="l" defTabSz="622300">
             <a:lnSpc>
               <a:spcPct val="90000"/>
             </a:lnSpc>
@@ -5937,15 +5937,15 @@
             <a:buNone/>
           </a:pPr>
           <a:r>
-            <a:rPr lang="en-GB" sz="1600" b="0" kern="1200" baseline="0"/>
-            <a:t>list(&lt;TYPE&gt;)</a:t>
+            <a:rPr lang="en-GB" sz="1400" b="0" kern="1200" baseline="0" dirty="0"/>
+            <a:t>list(&lt;TYPE&gt;) – Ordered List of Values</a:t>
           </a:r>
-          <a:endParaRPr lang="en-GB" sz="1600" kern="1200"/>
+          <a:endParaRPr lang="en-GB" sz="1400" kern="1200" dirty="0"/>
         </a:p>
       </dsp:txBody>
       <dsp:txXfrm>
-        <a:off x="20104" y="366042"/>
-        <a:ext cx="3548490" cy="371632"/>
+        <a:off x="19191" y="64663"/>
+        <a:ext cx="5758946" cy="354738"/>
       </dsp:txXfrm>
     </dsp:sp>
     <dsp:sp modelId="{77A82BD9-18E8-498E-9AA1-E4215F5A9D19}">
@@ -5955,8 +5955,8 @@
       </dsp:nvSpPr>
       <dsp:spPr>
         <a:xfrm>
-          <a:off x="0" y="803858"/>
-          <a:ext cx="3588698" cy="411840"/>
+          <a:off x="0" y="499072"/>
+          <a:ext cx="5797328" cy="393120"/>
         </a:xfrm>
         <a:prstGeom prst="roundRect">
           <a:avLst/>
@@ -5997,12 +5997,12 @@
         </a:fontRef>
       </dsp:style>
       <dsp:txBody>
-        <a:bodyPr spcFirstLastPara="0" vert="horz" wrap="square" lIns="60960" tIns="60960" rIns="60960" bIns="60960" numCol="1" spcCol="1270" anchor="ctr" anchorCtr="0">
+        <a:bodyPr spcFirstLastPara="0" vert="horz" wrap="square" lIns="53340" tIns="53340" rIns="53340" bIns="53340" numCol="1" spcCol="1270" anchor="ctr" anchorCtr="0">
           <a:noAutofit/>
         </a:bodyPr>
         <a:lstStyle/>
         <a:p>
-          <a:pPr marL="0" lvl="0" indent="0" algn="l" defTabSz="711200">
+          <a:pPr marL="0" lvl="0" indent="0" algn="l" defTabSz="622300">
             <a:lnSpc>
               <a:spcPct val="90000"/>
             </a:lnSpc>
@@ -6015,15 +6015,15 @@
             <a:buNone/>
           </a:pPr>
           <a:r>
-            <a:rPr lang="en-GB" sz="1600" b="0" kern="1200" baseline="0"/>
-            <a:t>set(&lt;TYPE&gt;)</a:t>
+            <a:rPr lang="en-GB" sz="1400" b="0" kern="1200" baseline="0" dirty="0"/>
+            <a:t>set(&lt;TYPE&gt;) – Deduplicated List of Values</a:t>
           </a:r>
-          <a:endParaRPr lang="en-GB" sz="1600" kern="1200"/>
+          <a:endParaRPr lang="en-GB" sz="1400" kern="1200" dirty="0"/>
         </a:p>
       </dsp:txBody>
       <dsp:txXfrm>
-        <a:off x="20104" y="823962"/>
-        <a:ext cx="3548490" cy="371632"/>
+        <a:off x="19191" y="518263"/>
+        <a:ext cx="5758946" cy="354738"/>
       </dsp:txXfrm>
     </dsp:sp>
     <dsp:sp modelId="{5C98052B-011B-4407-AC0B-30033E4F7242}">
@@ -6033,8 +6033,8 @@
       </dsp:nvSpPr>
       <dsp:spPr>
         <a:xfrm>
-          <a:off x="0" y="1261779"/>
-          <a:ext cx="3588698" cy="411840"/>
+          <a:off x="0" y="952672"/>
+          <a:ext cx="5797328" cy="393120"/>
         </a:xfrm>
         <a:prstGeom prst="roundRect">
           <a:avLst/>
@@ -6075,12 +6075,12 @@
         </a:fontRef>
       </dsp:style>
       <dsp:txBody>
-        <a:bodyPr spcFirstLastPara="0" vert="horz" wrap="square" lIns="60960" tIns="60960" rIns="60960" bIns="60960" numCol="1" spcCol="1270" anchor="ctr" anchorCtr="0">
+        <a:bodyPr spcFirstLastPara="0" vert="horz" wrap="square" lIns="53340" tIns="53340" rIns="53340" bIns="53340" numCol="1" spcCol="1270" anchor="ctr" anchorCtr="0">
           <a:noAutofit/>
         </a:bodyPr>
         <a:lstStyle/>
         <a:p>
-          <a:pPr marL="0" lvl="0" indent="0" algn="l" defTabSz="711200">
+          <a:pPr marL="0" lvl="0" indent="0" algn="l" defTabSz="622300">
             <a:lnSpc>
               <a:spcPct val="90000"/>
             </a:lnSpc>
@@ -6093,15 +6093,15 @@
             <a:buNone/>
           </a:pPr>
           <a:r>
-            <a:rPr lang="en-GB" sz="1600" b="0" kern="1200" baseline="0"/>
-            <a:t>map(&lt;TYPE&gt;)</a:t>
+            <a:rPr lang="en-GB" sz="1400" b="0" kern="1200" baseline="0" dirty="0"/>
+            <a:t>map(&lt;TYPE&gt;) – Keys and Values</a:t>
           </a:r>
-          <a:endParaRPr lang="en-GB" sz="1600" kern="1200"/>
+          <a:endParaRPr lang="en-GB" sz="1400" kern="1200" dirty="0"/>
         </a:p>
       </dsp:txBody>
       <dsp:txXfrm>
-        <a:off x="20104" y="1281883"/>
-        <a:ext cx="3548490" cy="371632"/>
+        <a:off x="19191" y="971863"/>
+        <a:ext cx="5758946" cy="354738"/>
       </dsp:txXfrm>
     </dsp:sp>
     <dsp:sp modelId="{F74FFEB1-01F0-45F5-A425-7477F4D126BF}">
@@ -6111,8 +6111,8 @@
       </dsp:nvSpPr>
       <dsp:spPr>
         <a:xfrm>
-          <a:off x="0" y="1719699"/>
-          <a:ext cx="3588698" cy="411840"/>
+          <a:off x="0" y="1406272"/>
+          <a:ext cx="5797328" cy="393120"/>
         </a:xfrm>
         <a:prstGeom prst="roundRect">
           <a:avLst/>
@@ -6153,12 +6153,12 @@
         </a:fontRef>
       </dsp:style>
       <dsp:txBody>
-        <a:bodyPr spcFirstLastPara="0" vert="horz" wrap="square" lIns="60960" tIns="60960" rIns="60960" bIns="60960" numCol="1" spcCol="1270" anchor="ctr" anchorCtr="0">
+        <a:bodyPr spcFirstLastPara="0" vert="horz" wrap="square" lIns="53340" tIns="53340" rIns="53340" bIns="53340" numCol="1" spcCol="1270" anchor="ctr" anchorCtr="0">
           <a:noAutofit/>
         </a:bodyPr>
         <a:lstStyle/>
         <a:p>
-          <a:pPr marL="0" lvl="0" indent="0" algn="l" defTabSz="711200">
+          <a:pPr marL="0" lvl="0" indent="0" algn="l" defTabSz="622300">
             <a:lnSpc>
               <a:spcPct val="90000"/>
             </a:lnSpc>
@@ -6171,15 +6171,15 @@
             <a:buNone/>
           </a:pPr>
           <a:r>
-            <a:rPr lang="en-GB" sz="1600" b="0" kern="1200" baseline="0" dirty="0"/>
-            <a:t>object({&lt;ATTR NAME&gt; = &lt;TYPE&gt;, ... })</a:t>
+            <a:rPr lang="en-GB" sz="1400" b="0" kern="1200" baseline="0" dirty="0"/>
+            <a:t>object({&lt;ATTR NAME&gt; = &lt;TYPE&gt;, ... }) – Schema-Driven Map</a:t>
           </a:r>
-          <a:endParaRPr lang="en-GB" sz="1600" kern="1200" dirty="0"/>
+          <a:endParaRPr lang="en-GB" sz="1400" kern="1200" dirty="0"/>
         </a:p>
       </dsp:txBody>
       <dsp:txXfrm>
-        <a:off x="20104" y="1739803"/>
-        <a:ext cx="3548490" cy="371632"/>
+        <a:off x="19191" y="1425463"/>
+        <a:ext cx="5758946" cy="354738"/>
       </dsp:txXfrm>
     </dsp:sp>
     <dsp:sp modelId="{87B504C3-F3B9-4A42-BEF4-270DA83FBE6B}">
@@ -6189,8 +6189,8 @@
       </dsp:nvSpPr>
       <dsp:spPr>
         <a:xfrm>
-          <a:off x="0" y="2177619"/>
-          <a:ext cx="3588698" cy="411840"/>
+          <a:off x="0" y="1859872"/>
+          <a:ext cx="5797328" cy="393120"/>
         </a:xfrm>
         <a:prstGeom prst="roundRect">
           <a:avLst/>
@@ -6231,12 +6231,12 @@
         </a:fontRef>
       </dsp:style>
       <dsp:txBody>
-        <a:bodyPr spcFirstLastPara="0" vert="horz" wrap="square" lIns="60960" tIns="60960" rIns="60960" bIns="60960" numCol="1" spcCol="1270" anchor="ctr" anchorCtr="0">
+        <a:bodyPr spcFirstLastPara="0" vert="horz" wrap="square" lIns="53340" tIns="53340" rIns="53340" bIns="53340" numCol="1" spcCol="1270" anchor="ctr" anchorCtr="0">
           <a:noAutofit/>
         </a:bodyPr>
         <a:lstStyle/>
         <a:p>
-          <a:pPr marL="0" lvl="0" indent="0" algn="l" defTabSz="711200">
+          <a:pPr marL="0" lvl="0" indent="0" algn="l" defTabSz="622300">
             <a:lnSpc>
               <a:spcPct val="90000"/>
             </a:lnSpc>
@@ -6249,15 +6249,15 @@
             <a:buNone/>
           </a:pPr>
           <a:r>
-            <a:rPr lang="en-GB" sz="1600" b="0" kern="1200" baseline="0"/>
-            <a:t>tuple([&lt;TYPE&gt;, ...])</a:t>
+            <a:rPr lang="en-GB" sz="1400" b="0" kern="1200" baseline="0" dirty="0"/>
+            <a:t>tuple([&lt;TYPE&gt;, ...]) – Schema Driven List</a:t>
           </a:r>
-          <a:endParaRPr lang="en-GB" sz="1600" kern="1200"/>
+          <a:endParaRPr lang="en-GB" sz="1400" kern="1200" dirty="0"/>
         </a:p>
       </dsp:txBody>
       <dsp:txXfrm>
-        <a:off x="20104" y="2197723"/>
-        <a:ext cx="3548490" cy="371632"/>
+        <a:off x="19191" y="1879063"/>
+        <a:ext cx="5758946" cy="354738"/>
       </dsp:txXfrm>
     </dsp:sp>
   </dsp:spTree>
@@ -13462,7 +13462,7 @@
               <a:rPr lang="en-US" smtClean="0">
                 <a:latin typeface="Segoe UI" pitchFamily="34" charset="0"/>
               </a:rPr>
-              <a:t>6/29/2023 12:20 PM</a:t>
+              <a:t>7/31/2023 9:37 AM</a:t>
             </a:fld>
             <a:endParaRPr lang="en-US" dirty="0">
               <a:latin typeface="Segoe UI" pitchFamily="34" charset="0"/>
@@ -13740,7 +13740,7 @@
           <a:p>
             <a:fld id="{386CE63F-9E7F-4C04-9D0D-FCA25A8E9E86}" type="datetime8">
               <a:rPr lang="en-US" smtClean="0"/>
-              <a:t>6/29/2023 12:20 PM</a:t>
+              <a:t>7/31/2023 9:37 AM</a:t>
             </a:fld>
             <a:endParaRPr lang="en-US" dirty="0"/>
           </a:p>
@@ -14107,7 +14107,7 @@
           <a:p>
             <a:fld id="{321E5A7B-BB8D-4368-A182-109669521632}" type="datetime8">
               <a:rPr lang="en-US" smtClean="0"/>
-              <a:t>6/29/2023 12:20 PM</a:t>
+              <a:t>7/31/2023 9:37 AM</a:t>
             </a:fld>
             <a:endParaRPr lang="en-US" dirty="0"/>
           </a:p>
@@ -14311,7 +14311,7 @@
           <a:p>
             <a:fld id="{386CE63F-9E7F-4C04-9D0D-FCA25A8E9E86}" type="datetime8">
               <a:rPr lang="en-US" smtClean="0"/>
-              <a:t>6/29/2023 12:20 PM</a:t>
+              <a:t>7/31/2023 9:37 AM</a:t>
             </a:fld>
             <a:endParaRPr lang="en-US" dirty="0"/>
           </a:p>
@@ -14492,7 +14492,7 @@
           <a:p>
             <a:fld id="{386CE63F-9E7F-4C04-9D0D-FCA25A8E9E86}" type="datetime8">
               <a:rPr lang="en-US" smtClean="0"/>
-              <a:t>6/29/2023 12:20 PM</a:t>
+              <a:t>7/31/2023 9:37 AM</a:t>
             </a:fld>
             <a:endParaRPr lang="en-US" dirty="0"/>
           </a:p>
@@ -14673,7 +14673,7 @@
           <a:p>
             <a:fld id="{386CE63F-9E7F-4C04-9D0D-FCA25A8E9E86}" type="datetime8">
               <a:rPr lang="en-US" smtClean="0"/>
-              <a:t>6/29/2023 12:23 PM</a:t>
+              <a:t>7/31/2023 9:37 AM</a:t>
             </a:fld>
             <a:endParaRPr lang="en-US" dirty="0"/>
           </a:p>
@@ -14854,7 +14854,7 @@
           <a:p>
             <a:fld id="{386CE63F-9E7F-4C04-9D0D-FCA25A8E9E86}" type="datetime8">
               <a:rPr lang="en-US" smtClean="0"/>
-              <a:t>6/29/2023 12:20 PM</a:t>
+              <a:t>7/31/2023 9:37 AM</a:t>
             </a:fld>
             <a:endParaRPr lang="en-US" dirty="0"/>
           </a:p>
@@ -15035,7 +15035,7 @@
           <a:p>
             <a:fld id="{386CE63F-9E7F-4C04-9D0D-FCA25A8E9E86}" type="datetime8">
               <a:rPr lang="en-US" smtClean="0"/>
-              <a:t>6/29/2023 12:20 PM</a:t>
+              <a:t>7/31/2023 9:37 AM</a:t>
             </a:fld>
             <a:endParaRPr lang="en-US" dirty="0"/>
           </a:p>
@@ -15240,7 +15240,7 @@
           <a:p>
             <a:fld id="{386CE63F-9E7F-4C04-9D0D-FCA25A8E9E86}" type="datetime8">
               <a:rPr lang="en-US" smtClean="0"/>
-              <a:t>6/29/2023 12:20 PM</a:t>
+              <a:t>7/31/2023 9:37 AM</a:t>
             </a:fld>
             <a:endParaRPr lang="en-US" dirty="0"/>
           </a:p>
@@ -15442,7 +15442,7 @@
           <a:p>
             <a:fld id="{386CE63F-9E7F-4C04-9D0D-FCA25A8E9E86}" type="datetime8">
               <a:rPr lang="en-US" smtClean="0"/>
-              <a:t>6/29/2023 12:20 PM</a:t>
+              <a:t>7/31/2023 9:37 AM</a:t>
             </a:fld>
             <a:endParaRPr lang="en-US" dirty="0"/>
           </a:p>
@@ -15626,7 +15626,7 @@
           <a:p>
             <a:fld id="{386CE63F-9E7F-4C04-9D0D-FCA25A8E9E86}" type="datetime8">
               <a:rPr lang="en-US" smtClean="0"/>
-              <a:t>6/29/2023 12:20 PM</a:t>
+              <a:t>7/31/2023 9:37 AM</a:t>
             </a:fld>
             <a:endParaRPr lang="en-US" dirty="0"/>
           </a:p>
@@ -16330,7 +16330,7 @@
           <a:p>
             <a:fld id="{386CE63F-9E7F-4C04-9D0D-FCA25A8E9E86}" type="datetime8">
               <a:rPr lang="en-US" smtClean="0"/>
-              <a:t>6/29/2023 12:20 PM</a:t>
+              <a:t>7/31/2023 9:37 AM</a:t>
             </a:fld>
             <a:endParaRPr lang="en-US" dirty="0"/>
           </a:p>
@@ -17086,7 +17086,7 @@
           <a:p>
             <a:fld id="{386CE63F-9E7F-4C04-9D0D-FCA25A8E9E86}" type="datetime8">
               <a:rPr lang="en-US" smtClean="0"/>
-              <a:t>6/29/2023 12:20 PM</a:t>
+              <a:t>7/31/2023 9:37 AM</a:t>
             </a:fld>
             <a:endParaRPr lang="en-US" dirty="0"/>
           </a:p>
@@ -17312,7 +17312,7 @@
           <a:p>
             <a:fld id="{9427A7F7-BB1E-479D-AFAA-B52F4D0C99F2}" type="datetime8">
               <a:rPr lang="en-US" smtClean="0"/>
-              <a:t>6/29/2023 12:20 PM</a:t>
+              <a:t>7/31/2023 9:37 AM</a:t>
             </a:fld>
             <a:endParaRPr lang="en-US" dirty="0"/>
           </a:p>
@@ -17462,7 +17462,7 @@
                   <a:prstClr val="black"/>
                 </a:solidFill>
               </a:rPr>
-              <a:t>6/29/2023 12:20 PM</a:t>
+              <a:t>7/31/2023 9:37 AM</a:t>
             </a:fld>
             <a:endParaRPr lang="en-US" dirty="0">
               <a:solidFill>
@@ -17741,7 +17741,7 @@
           <a:p>
             <a:fld id="{386CE63F-9E7F-4C04-9D0D-FCA25A8E9E86}" type="datetime8">
               <a:rPr lang="en-US" smtClean="0"/>
-              <a:t>6/29/2023 12:20 PM</a:t>
+              <a:t>7/31/2023 9:37 AM</a:t>
             </a:fld>
             <a:endParaRPr lang="en-US" dirty="0"/>
           </a:p>
@@ -17925,7 +17925,7 @@
           <a:p>
             <a:fld id="{386CE63F-9E7F-4C04-9D0D-FCA25A8E9E86}" type="datetime8">
               <a:rPr lang="en-US" smtClean="0"/>
-              <a:t>6/29/2023 12:20 PM</a:t>
+              <a:t>7/31/2023 9:37 AM</a:t>
             </a:fld>
             <a:endParaRPr lang="en-US" dirty="0"/>
           </a:p>
@@ -18127,7 +18127,7 @@
           <a:p>
             <a:fld id="{386CE63F-9E7F-4C04-9D0D-FCA25A8E9E86}" type="datetime8">
               <a:rPr lang="en-US" smtClean="0"/>
-              <a:t>6/29/2023 12:20 PM</a:t>
+              <a:t>7/31/2023 9:37 AM</a:t>
             </a:fld>
             <a:endParaRPr lang="en-US" dirty="0"/>
           </a:p>
@@ -18331,7 +18331,7 @@
           <a:p>
             <a:fld id="{386CE63F-9E7F-4C04-9D0D-FCA25A8E9E86}" type="datetime8">
               <a:rPr lang="en-US" smtClean="0"/>
-              <a:t>6/29/2023 12:20 PM</a:t>
+              <a:t>7/31/2023 9:37 AM</a:t>
             </a:fld>
             <a:endParaRPr lang="en-US" dirty="0"/>
           </a:p>
@@ -18533,7 +18533,7 @@
           <a:p>
             <a:fld id="{386CE63F-9E7F-4C04-9D0D-FCA25A8E9E86}" type="datetime8">
               <a:rPr lang="en-US" smtClean="0"/>
-              <a:t>6/29/2023 12:20 PM</a:t>
+              <a:t>7/31/2023 9:37 AM</a:t>
             </a:fld>
             <a:endParaRPr lang="en-US" dirty="0"/>
           </a:p>
@@ -18892,7 +18892,7 @@
           <a:p>
             <a:fld id="{386CE63F-9E7F-4C04-9D0D-FCA25A8E9E86}" type="datetime8">
               <a:rPr lang="en-US" smtClean="0"/>
-              <a:t>6/29/2023 12:21 PM</a:t>
+              <a:t>7/31/2023 9:37 AM</a:t>
             </a:fld>
             <a:endParaRPr lang="en-US" dirty="0"/>
           </a:p>
@@ -19211,7 +19211,7 @@
           <a:p>
             <a:fld id="{386CE63F-9E7F-4C04-9D0D-FCA25A8E9E86}" type="datetime8">
               <a:rPr lang="en-US" smtClean="0"/>
-              <a:t>6/29/2023 12:20 PM</a:t>
+              <a:t>7/31/2023 9:37 AM</a:t>
             </a:fld>
             <a:endParaRPr lang="en-US" dirty="0"/>
           </a:p>
@@ -29248,13 +29248,8 @@
           <a:p>
             <a:r>
               <a:rPr lang="en-US" dirty="0"/>
-              <a:t>Subtitle or </a:t>
-            </a:r>
-            <a:r>
-              <a:rPr lang="en-US"/>
-              <a:t>speaker name</a:t>
-            </a:r>
-            <a:endParaRPr lang="en-US" dirty="0"/>
+              <a:t>Ryan Russell-Yates</a:t>
+            </a:r>
           </a:p>
         </p:txBody>
       </p:sp>
@@ -38898,11 +38893,17 @@
             </a:extLst>
           </p:cNvPr>
           <p:cNvGraphicFramePr/>
-          <p:nvPr/>
+          <p:nvPr>
+            <p:extLst>
+              <p:ext uri="{D42A27DB-BD31-4B8C-83A1-F6EECF244321}">
+                <p14:modId xmlns:p14="http://schemas.microsoft.com/office/powerpoint/2010/main" val="3365399985"/>
+              </p:ext>
+            </p:extLst>
+          </p:nvPr>
         </p:nvGraphicFramePr>
         <p:xfrm>
-          <a:off x="7439552" y="4183918"/>
-          <a:ext cx="3588698" cy="2935398"/>
+          <a:off x="6254218" y="4395848"/>
+          <a:ext cx="5797329" cy="2298464"/>
         </p:xfrm>
         <a:graphic>
           <a:graphicData uri="http://schemas.openxmlformats.org/drawingml/2006/diagram">
@@ -42774,15 +42775,6 @@
 </file>
 
 <file path=customXml/item2.xml><?xml version="1.0" encoding="utf-8"?>
-<?mso-contentType ?>
-<FormTemplates xmlns="http://schemas.microsoft.com/sharepoint/v3/contenttype/forms">
-  <Display>DocumentLibraryForm</Display>
-  <Edit>DocumentLibraryForm</Edit>
-  <New>DocumentLibraryForm</New>
-</FormTemplates>
-</file>
-
-<file path=customXml/item3.xml><?xml version="1.0" encoding="utf-8"?>
 <p:properties xmlns:p="http://schemas.microsoft.com/office/2006/metadata/properties" xmlns:pc="http://schemas.microsoft.com/office/infopath/2007/PartnerControls" xmlns:xsi="http://www.w3.org/2001/XMLSchema-instance">
   <documentManagement>
     <SharedWithUsers xmlns="53207a91-4873-4278-88cd-3a5c1985bff7">
@@ -42795,6 +42787,15 @@
     <SharedWithDetails xmlns="53207a91-4873-4278-88cd-3a5c1985bff7" xsi:nil="true"/>
   </documentManagement>
 </p:properties>
+</file>
+
+<file path=customXml/item3.xml><?xml version="1.0" encoding="utf-8"?>
+<?mso-contentType ?>
+<FormTemplates xmlns="http://schemas.microsoft.com/sharepoint/v3/contenttype/forms">
+  <Display>DocumentLibraryForm</Display>
+  <Edit>DocumentLibraryForm</Edit>
+  <New>DocumentLibraryForm</New>
+</FormTemplates>
 </file>
 
 <file path=customXml/itemProps1.xml><?xml version="1.0" encoding="utf-8"?>
@@ -42817,14 +42818,6 @@
 </file>
 
 <file path=customXml/itemProps2.xml><?xml version="1.0" encoding="utf-8"?>
-<ds:datastoreItem xmlns:ds="http://schemas.openxmlformats.org/officeDocument/2006/customXml" ds:itemID="{758FDAC0-319D-4A54-8D8E-1D42CB1F8004}">
-  <ds:schemaRefs>
-    <ds:schemaRef ds:uri="http://schemas.microsoft.com/sharepoint/v3/contenttype/forms"/>
-  </ds:schemaRefs>
-</ds:datastoreItem>
-</file>
-
-<file path=customXml/itemProps3.xml><?xml version="1.0" encoding="utf-8"?>
 <ds:datastoreItem xmlns:ds="http://schemas.openxmlformats.org/officeDocument/2006/customXml" ds:itemID="{F990F116-B58F-4255-B05B-DA3808E0E5C6}">
   <ds:schemaRefs>
     <ds:schemaRef ds:uri="http://schemas.microsoft.com/office/2006/metadata/properties"/>
@@ -42834,6 +42827,14 @@
 </ds:datastoreItem>
 </file>
 
+<file path=customXml/itemProps3.xml><?xml version="1.0" encoding="utf-8"?>
+<ds:datastoreItem xmlns:ds="http://schemas.openxmlformats.org/officeDocument/2006/customXml" ds:itemID="{758FDAC0-319D-4A54-8D8E-1D42CB1F8004}">
+  <ds:schemaRefs>
+    <ds:schemaRef ds:uri="http://schemas.microsoft.com/sharepoint/v3/contenttype/forms"/>
+  </ds:schemaRefs>
+</ds:datastoreItem>
+</file>
+
 <file path=docMetadata/LabelInfo.xml><?xml version="1.0" encoding="utf-8"?>
 <clbl:labelList xmlns:clbl="http://schemas.microsoft.com/office/2020/mipLabelMetadata">
   <clbl:label id="{f42aa342-8706-4288-bd11-ebb85995028c}" enabled="1" method="Standard" siteId="{72f988bf-86f1-41af-91ab-2d7cd011db47}" contentBits="0" removed="0"/>
